--- a/Db Design Fundamentals - Intro.pptx
+++ b/Db Design Fundamentals - Intro.pptx
@@ -19,15 +19,16 @@
     <p:sldId id="263" r:id="rId13"/>
     <p:sldId id="275" r:id="rId14"/>
     <p:sldId id="264" r:id="rId15"/>
-    <p:sldId id="265" r:id="rId16"/>
-    <p:sldId id="280" r:id="rId17"/>
-    <p:sldId id="276" r:id="rId18"/>
-    <p:sldId id="277" r:id="rId19"/>
-    <p:sldId id="278" r:id="rId20"/>
-    <p:sldId id="279" r:id="rId21"/>
-    <p:sldId id="270" r:id="rId22"/>
+    <p:sldId id="276" r:id="rId16"/>
+    <p:sldId id="277" r:id="rId17"/>
+    <p:sldId id="278" r:id="rId18"/>
+    <p:sldId id="279" r:id="rId19"/>
+    <p:sldId id="281" r:id="rId20"/>
+    <p:sldId id="280" r:id="rId21"/>
+    <p:sldId id="267" r:id="rId22"/>
     <p:sldId id="268" r:id="rId23"/>
-    <p:sldId id="269" r:id="rId24"/>
+    <p:sldId id="270" r:id="rId24"/>
+    <p:sldId id="269" r:id="rId25"/>
   </p:sldIdLst>
   <p:sldSz cx="12192000" cy="6858000"/>
   <p:notesSz cx="6858000" cy="9144000"/>
@@ -265,7 +266,7 @@
           <a:p>
             <a:fld id="{95EDBBE3-C915-48FA-BA85-6137A41EC657}" type="datetimeFigureOut">
               <a:rPr lang="en-US" smtClean="0"/>
-              <a:t>12/10/2015</a:t>
+              <a:t>2/18/2016</a:t>
             </a:fld>
             <a:endParaRPr lang="en-US"/>
           </a:p>
@@ -442,7 +443,7 @@
           <a:p>
             <a:fld id="{95EDBBE3-C915-48FA-BA85-6137A41EC657}" type="datetimeFigureOut">
               <a:rPr lang="en-US" smtClean="0"/>
-              <a:t>12/10/2015</a:t>
+              <a:t>2/18/2016</a:t>
             </a:fld>
             <a:endParaRPr lang="en-US"/>
           </a:p>
@@ -622,7 +623,7 @@
           <a:p>
             <a:fld id="{95EDBBE3-C915-48FA-BA85-6137A41EC657}" type="datetimeFigureOut">
               <a:rPr lang="en-US" smtClean="0"/>
-              <a:t>12/10/2015</a:t>
+              <a:t>2/18/2016</a:t>
             </a:fld>
             <a:endParaRPr lang="en-US"/>
           </a:p>
@@ -792,7 +793,7 @@
           <a:p>
             <a:fld id="{95EDBBE3-C915-48FA-BA85-6137A41EC657}" type="datetimeFigureOut">
               <a:rPr lang="en-US" smtClean="0"/>
-              <a:t>12/10/2015</a:t>
+              <a:t>2/18/2016</a:t>
             </a:fld>
             <a:endParaRPr lang="en-US"/>
           </a:p>
@@ -1045,7 +1046,7 @@
           <a:p>
             <a:fld id="{95EDBBE3-C915-48FA-BA85-6137A41EC657}" type="datetimeFigureOut">
               <a:rPr lang="en-US" smtClean="0"/>
-              <a:t>12/10/2015</a:t>
+              <a:t>2/18/2016</a:t>
             </a:fld>
             <a:endParaRPr lang="en-US"/>
           </a:p>
@@ -1103,6 +1104,13 @@
   <p:clrMapOvr>
     <a:masterClrMapping/>
   </p:clrMapOvr>
+  <p:timing>
+    <p:tnLst>
+      <p:par>
+        <p:cTn id="1" dur="indefinite" restart="never" nodeType="tmRoot"/>
+      </p:par>
+    </p:tnLst>
+  </p:timing>
 </p:sldLayout>
 </file>
 
@@ -1277,7 +1285,7 @@
           <a:p>
             <a:fld id="{95EDBBE3-C915-48FA-BA85-6137A41EC657}" type="datetimeFigureOut">
               <a:rPr lang="en-US" smtClean="0"/>
-              <a:t>12/10/2015</a:t>
+              <a:t>2/18/2016</a:t>
             </a:fld>
             <a:endParaRPr lang="en-US"/>
           </a:p>
@@ -1335,6 +1343,13 @@
   <p:clrMapOvr>
     <a:masterClrMapping/>
   </p:clrMapOvr>
+  <p:timing>
+    <p:tnLst>
+      <p:par>
+        <p:cTn id="1" dur="indefinite" restart="never" nodeType="tmRoot"/>
+      </p:par>
+    </p:tnLst>
+  </p:timing>
 </p:sldLayout>
 </file>
 
@@ -1644,7 +1659,7 @@
           <a:p>
             <a:fld id="{95EDBBE3-C915-48FA-BA85-6137A41EC657}" type="datetimeFigureOut">
               <a:rPr lang="en-US" smtClean="0"/>
-              <a:t>12/10/2015</a:t>
+              <a:t>2/18/2016</a:t>
             </a:fld>
             <a:endParaRPr lang="en-US"/>
           </a:p>
@@ -1702,6 +1717,13 @@
   <p:clrMapOvr>
     <a:masterClrMapping/>
   </p:clrMapOvr>
+  <p:timing>
+    <p:tnLst>
+      <p:par>
+        <p:cTn id="1" dur="indefinite" restart="never" nodeType="tmRoot"/>
+      </p:par>
+    </p:tnLst>
+  </p:timing>
 </p:sldLayout>
 </file>
 
@@ -1762,7 +1784,7 @@
           <a:p>
             <a:fld id="{95EDBBE3-C915-48FA-BA85-6137A41EC657}" type="datetimeFigureOut">
               <a:rPr lang="en-US" smtClean="0"/>
-              <a:t>12/10/2015</a:t>
+              <a:t>2/18/2016</a:t>
             </a:fld>
             <a:endParaRPr lang="en-US"/>
           </a:p>
@@ -1820,6 +1842,13 @@
   <p:clrMapOvr>
     <a:masterClrMapping/>
   </p:clrMapOvr>
+  <p:timing>
+    <p:tnLst>
+      <p:par>
+        <p:cTn id="1" dur="indefinite" restart="never" nodeType="tmRoot"/>
+      </p:par>
+    </p:tnLst>
+  </p:timing>
 </p:sldLayout>
 </file>
 
@@ -1857,7 +1886,7 @@
           <a:p>
             <a:fld id="{95EDBBE3-C915-48FA-BA85-6137A41EC657}" type="datetimeFigureOut">
               <a:rPr lang="en-US" smtClean="0"/>
-              <a:t>12/10/2015</a:t>
+              <a:t>2/18/2016</a:t>
             </a:fld>
             <a:endParaRPr lang="en-US"/>
           </a:p>
@@ -2141,7 +2170,7 @@
           <a:p>
             <a:fld id="{95EDBBE3-C915-48FA-BA85-6137A41EC657}" type="datetimeFigureOut">
               <a:rPr lang="en-US" smtClean="0"/>
-              <a:t>12/10/2015</a:t>
+              <a:t>2/18/2016</a:t>
             </a:fld>
             <a:endParaRPr lang="en-US"/>
           </a:p>
@@ -2398,7 +2427,7 @@
           <a:p>
             <a:fld id="{95EDBBE3-C915-48FA-BA85-6137A41EC657}" type="datetimeFigureOut">
               <a:rPr lang="en-US" smtClean="0"/>
-              <a:t>12/10/2015</a:t>
+              <a:t>2/18/2016</a:t>
             </a:fld>
             <a:endParaRPr lang="en-US"/>
           </a:p>
@@ -2666,7 +2695,7 @@
           <a:p>
             <a:fld id="{95EDBBE3-C915-48FA-BA85-6137A41EC657}" type="datetimeFigureOut">
               <a:rPr lang="en-US" smtClean="0"/>
-              <a:t>12/10/2015</a:t>
+              <a:t>2/18/2016</a:t>
             </a:fld>
             <a:endParaRPr lang="en-US"/>
           </a:p>
@@ -3416,48 +3445,16 @@
           <a:chExt cx="0" cy="0"/>
         </a:xfrm>
       </p:grpSpPr>
-      <p:sp>
-        <p:nvSpPr>
-          <p:cNvPr id="2" name="Title 1"/>
-          <p:cNvSpPr>
-            <a:spLocks noGrp="1"/>
-          </p:cNvSpPr>
-          <p:nvPr>
-            <p:ph type="title"/>
-          </p:nvPr>
-        </p:nvSpPr>
-        <p:spPr>
-          <a:xfrm>
-            <a:off x="186267" y="187325"/>
-            <a:ext cx="3479800" cy="4850342"/>
-          </a:xfrm>
-        </p:spPr>
-        <p:txBody>
-          <a:bodyPr anchor="t">
-            <a:normAutofit/>
-          </a:bodyPr>
-          <a:lstStyle/>
-          <a:p>
-            <a:r>
-              <a:rPr lang="en-US" dirty="0" smtClean="0"/>
-              <a:t>Going to Relational – Intro Summary (Tables)</a:t>
-            </a:r>
-            <a:endParaRPr lang="en-US" dirty="0"/>
-          </a:p>
-        </p:txBody>
-      </p:sp>
       <p:pic>
         <p:nvPicPr>
-          <p:cNvPr id="6" name="Content Placeholder 5"/>
+          <p:cNvPr id="3" name="Picture 2"/>
           <p:cNvPicPr>
-            <a:picLocks noGrp="1" noChangeAspect="1"/>
+            <a:picLocks noChangeAspect="1"/>
           </p:cNvPicPr>
-          <p:nvPr>
-            <p:ph idx="1"/>
-          </p:nvPr>
+          <p:nvPr/>
         </p:nvPicPr>
         <p:blipFill>
-          <a:blip r:embed="rId2" cstate="print">
+          <a:blip r:embed="rId2">
             <a:extLst>
               <a:ext uri="{28A0092B-C50C-407E-A947-70E740481C1C}">
                 <a14:useLocalDpi xmlns:a14="http://schemas.microsoft.com/office/drawing/2010/main" val="0"/>
@@ -3470,7 +3467,95 @@
         </p:blipFill>
         <p:spPr>
           <a:xfrm>
-            <a:off x="4140180" y="0"/>
+            <a:off x="-436033" y="0"/>
+            <a:ext cx="4724400" cy="6858000"/>
+          </a:xfrm>
+          <a:prstGeom prst="rect">
+            <a:avLst/>
+          </a:prstGeom>
+        </p:spPr>
+      </p:pic>
+      <p:sp>
+        <p:nvSpPr>
+          <p:cNvPr id="2" name="Title 1"/>
+          <p:cNvSpPr>
+            <a:spLocks noGrp="1"/>
+          </p:cNvSpPr>
+          <p:nvPr>
+            <p:ph type="title"/>
+          </p:nvPr>
+        </p:nvSpPr>
+        <p:spPr>
+          <a:xfrm>
+            <a:off x="186267" y="187325"/>
+            <a:ext cx="3479800" cy="4850342"/>
+          </a:xfrm>
+        </p:spPr>
+        <p:txBody>
+          <a:bodyPr anchor="t">
+            <a:normAutofit/>
+          </a:bodyPr>
+          <a:lstStyle/>
+          <a:p>
+            <a:r>
+              <a:rPr lang="en-US" dirty="0" smtClean="0">
+                <a:solidFill>
+                  <a:schemeClr val="bg1">
+                    <a:lumMod val="85000"/>
+                  </a:schemeClr>
+                </a:solidFill>
+                <a:effectLst>
+                  <a:outerShdw blurRad="38100" dist="38100" dir="2700000" algn="tl">
+                    <a:srgbClr val="000000">
+                      <a:alpha val="43137"/>
+                    </a:srgbClr>
+                  </a:outerShdw>
+                </a:effectLst>
+              </a:rPr>
+              <a:t>Going to Relational – Intro Summary (Tables)</a:t>
+            </a:r>
+            <a:endParaRPr lang="en-US" dirty="0">
+              <a:solidFill>
+                <a:schemeClr val="bg1">
+                  <a:lumMod val="85000"/>
+                </a:schemeClr>
+              </a:solidFill>
+              <a:effectLst>
+                <a:outerShdw blurRad="38100" dist="38100" dir="2700000" algn="tl">
+                  <a:srgbClr val="000000">
+                    <a:alpha val="43137"/>
+                  </a:srgbClr>
+                </a:outerShdw>
+              </a:effectLst>
+            </a:endParaRPr>
+          </a:p>
+        </p:txBody>
+      </p:sp>
+      <p:pic>
+        <p:nvPicPr>
+          <p:cNvPr id="6" name="Content Placeholder 5"/>
+          <p:cNvPicPr>
+            <a:picLocks noGrp="1" noChangeAspect="1"/>
+          </p:cNvPicPr>
+          <p:nvPr>
+            <p:ph idx="1"/>
+          </p:nvPr>
+        </p:nvPicPr>
+        <p:blipFill>
+          <a:blip r:embed="rId3" cstate="print">
+            <a:extLst>
+              <a:ext uri="{28A0092B-C50C-407E-A947-70E740481C1C}">
+                <a14:useLocalDpi xmlns:a14="http://schemas.microsoft.com/office/drawing/2010/main" val="0"/>
+              </a:ext>
+            </a:extLst>
+          </a:blip>
+          <a:stretch>
+            <a:fillRect/>
+          </a:stretch>
+        </p:blipFill>
+        <p:spPr>
+          <a:xfrm>
+            <a:off x="4101269" y="0"/>
             <a:ext cx="6697480" cy="7023489"/>
           </a:xfrm>
         </p:spPr>
@@ -3512,6 +3597,36 @@
           <a:chExt cx="0" cy="0"/>
         </a:xfrm>
       </p:grpSpPr>
+      <p:pic>
+        <p:nvPicPr>
+          <p:cNvPr id="4" name="Picture 3"/>
+          <p:cNvPicPr preferRelativeResize="0">
+            <a:picLocks/>
+          </p:cNvPicPr>
+          <p:nvPr/>
+        </p:nvPicPr>
+        <p:blipFill>
+          <a:blip r:embed="rId2">
+            <a:extLst>
+              <a:ext uri="{28A0092B-C50C-407E-A947-70E740481C1C}">
+                <a14:useLocalDpi xmlns:a14="http://schemas.microsoft.com/office/drawing/2010/main" val="0"/>
+              </a:ext>
+            </a:extLst>
+          </a:blip>
+          <a:stretch>
+            <a:fillRect/>
+          </a:stretch>
+        </p:blipFill>
+        <p:spPr>
+          <a:xfrm>
+            <a:off x="0" y="-1"/>
+            <a:ext cx="12192000" cy="6858001"/>
+          </a:xfrm>
+          <a:prstGeom prst="rect">
+            <a:avLst/>
+          </a:prstGeom>
+        </p:spPr>
+      </p:pic>
       <p:sp>
         <p:nvSpPr>
           <p:cNvPr id="2" name="Title 1"/>
@@ -3528,10 +3643,36 @@
           <a:lstStyle/>
           <a:p>
             <a:r>
-              <a:rPr lang="en-US" dirty="0" smtClean="0"/>
+              <a:rPr lang="en-US" dirty="0" smtClean="0">
+                <a:solidFill>
+                  <a:schemeClr val="bg1">
+                    <a:lumMod val="95000"/>
+                  </a:schemeClr>
+                </a:solidFill>
+                <a:effectLst>
+                  <a:outerShdw blurRad="38100" dist="38100" dir="2700000" algn="tl">
+                    <a:srgbClr val="000000">
+                      <a:alpha val="43137"/>
+                    </a:srgbClr>
+                  </a:outerShdw>
+                </a:effectLst>
+              </a:rPr>
               <a:t>Going to Relational – Kind of Data</a:t>
             </a:r>
-            <a:endParaRPr lang="en-US" dirty="0"/>
+            <a:endParaRPr lang="en-US" dirty="0">
+              <a:solidFill>
+                <a:schemeClr val="bg1">
+                  <a:lumMod val="95000"/>
+                </a:schemeClr>
+              </a:solidFill>
+              <a:effectLst>
+                <a:outerShdw blurRad="38100" dist="38100" dir="2700000" algn="tl">
+                  <a:srgbClr val="000000">
+                    <a:alpha val="43137"/>
+                  </a:srgbClr>
+                </a:outerShdw>
+              </a:effectLst>
+            </a:endParaRPr>
           </a:p>
         </p:txBody>
       </p:sp>
@@ -3545,12 +3686,7 @@
             <p:ph idx="1"/>
           </p:nvPr>
         </p:nvSpPr>
-        <p:spPr>
-          <a:xfrm>
-            <a:off x="838200" y="1529188"/>
-            <a:ext cx="10515600" cy="4647775"/>
-          </a:xfrm>
-        </p:spPr>
+        <p:spPr/>
         <p:txBody>
           <a:bodyPr>
             <a:normAutofit lnSpcReduction="10000"/>
@@ -3558,77 +3694,235 @@
           <a:lstStyle/>
           <a:p>
             <a:r>
-              <a:rPr lang="en-US" dirty="0" smtClean="0"/>
+              <a:rPr lang="en-US" dirty="0">
+                <a:solidFill>
+                  <a:schemeClr val="bg1">
+                    <a:lumMod val="95000"/>
+                  </a:schemeClr>
+                </a:solidFill>
+                <a:effectLst>
+                  <a:outerShdw blurRad="38100" dist="38100" dir="2700000" algn="tl">
+                    <a:srgbClr val="000000">
+                      <a:alpha val="43137"/>
+                    </a:srgbClr>
+                  </a:outerShdw>
+                </a:effectLst>
+              </a:rPr>
               <a:t>Look for Unique values per Row</a:t>
             </a:r>
           </a:p>
           <a:p>
             <a:r>
-              <a:rPr lang="en-US" dirty="0" smtClean="0"/>
+              <a:rPr lang="en-US" dirty="0">
+                <a:solidFill>
+                  <a:schemeClr val="bg1">
+                    <a:lumMod val="95000"/>
+                  </a:schemeClr>
+                </a:solidFill>
+                <a:effectLst>
+                  <a:outerShdw blurRad="38100" dist="38100" dir="2700000" algn="tl">
+                    <a:srgbClr val="000000">
+                      <a:alpha val="43137"/>
+                    </a:srgbClr>
+                  </a:outerShdw>
+                </a:effectLst>
+              </a:rPr>
               <a:t>Look for Columns with names like:</a:t>
             </a:r>
           </a:p>
           <a:p>
             <a:pPr lvl="1"/>
             <a:r>
-              <a:rPr lang="en-US" dirty="0" smtClean="0"/>
+              <a:rPr lang="en-US" dirty="0">
+                <a:solidFill>
+                  <a:schemeClr val="bg1">
+                    <a:lumMod val="95000"/>
+                  </a:schemeClr>
+                </a:solidFill>
+                <a:effectLst>
+                  <a:outerShdw blurRad="38100" dist="38100" dir="2700000" algn="tl">
+                    <a:srgbClr val="000000">
+                      <a:alpha val="43137"/>
+                    </a:srgbClr>
+                  </a:outerShdw>
+                </a:effectLst>
+              </a:rPr>
               <a:t>Type</a:t>
             </a:r>
           </a:p>
           <a:p>
             <a:pPr lvl="1"/>
             <a:r>
-              <a:rPr lang="en-US" dirty="0" smtClean="0"/>
+              <a:rPr lang="en-US" dirty="0">
+                <a:solidFill>
+                  <a:schemeClr val="bg1">
+                    <a:lumMod val="95000"/>
+                  </a:schemeClr>
+                </a:solidFill>
+                <a:effectLst>
+                  <a:outerShdw blurRad="38100" dist="38100" dir="2700000" algn="tl">
+                    <a:srgbClr val="000000">
+                      <a:alpha val="43137"/>
+                    </a:srgbClr>
+                  </a:outerShdw>
+                </a:effectLst>
+              </a:rPr>
               <a:t>Code</a:t>
             </a:r>
           </a:p>
           <a:p>
             <a:pPr lvl="1"/>
             <a:r>
-              <a:rPr lang="en-US" dirty="0" smtClean="0"/>
+              <a:rPr lang="en-US" dirty="0">
+                <a:solidFill>
+                  <a:schemeClr val="bg1">
+                    <a:lumMod val="95000"/>
+                  </a:schemeClr>
+                </a:solidFill>
+                <a:effectLst>
+                  <a:outerShdw blurRad="38100" dist="38100" dir="2700000" algn="tl">
+                    <a:srgbClr val="000000">
+                      <a:alpha val="43137"/>
+                    </a:srgbClr>
+                  </a:outerShdw>
+                </a:effectLst>
+              </a:rPr>
               <a:t>Status</a:t>
             </a:r>
           </a:p>
           <a:p>
             <a:pPr lvl="1"/>
             <a:r>
-              <a:rPr lang="en-US" dirty="0" smtClean="0"/>
+              <a:rPr lang="en-US" dirty="0">
+                <a:solidFill>
+                  <a:schemeClr val="bg1">
+                    <a:lumMod val="95000"/>
+                  </a:schemeClr>
+                </a:solidFill>
+                <a:effectLst>
+                  <a:outerShdw blurRad="38100" dist="38100" dir="2700000" algn="tl">
+                    <a:srgbClr val="000000">
+                      <a:alpha val="43137"/>
+                    </a:srgbClr>
+                  </a:outerShdw>
+                </a:effectLst>
+              </a:rPr>
               <a:t>Step</a:t>
             </a:r>
           </a:p>
           <a:p>
             <a:pPr lvl="1"/>
             <a:r>
-              <a:rPr lang="en-US" dirty="0" smtClean="0"/>
+              <a:rPr lang="en-US" dirty="0">
+                <a:solidFill>
+                  <a:schemeClr val="bg1">
+                    <a:lumMod val="95000"/>
+                  </a:schemeClr>
+                </a:solidFill>
+                <a:effectLst>
+                  <a:outerShdw blurRad="38100" dist="38100" dir="2700000" algn="tl">
+                    <a:srgbClr val="000000">
+                      <a:alpha val="43137"/>
+                    </a:srgbClr>
+                  </a:outerShdw>
+                </a:effectLst>
+              </a:rPr>
               <a:t>Id</a:t>
             </a:r>
           </a:p>
           <a:p>
             <a:r>
-              <a:rPr lang="en-US" dirty="0" smtClean="0"/>
+              <a:rPr lang="en-US" dirty="0">
+                <a:solidFill>
+                  <a:schemeClr val="bg1">
+                    <a:lumMod val="95000"/>
+                  </a:schemeClr>
+                </a:solidFill>
+                <a:effectLst>
+                  <a:outerShdw blurRad="38100" dist="38100" dir="2700000" algn="tl">
+                    <a:srgbClr val="000000">
+                      <a:alpha val="43137"/>
+                    </a:srgbClr>
+                  </a:outerShdw>
+                </a:effectLst>
+              </a:rPr>
               <a:t>Look for Columns with duplicated values</a:t>
             </a:r>
           </a:p>
           <a:p>
             <a:r>
-              <a:rPr lang="en-US" dirty="0" smtClean="0"/>
+              <a:rPr lang="en-US" dirty="0">
+                <a:solidFill>
+                  <a:schemeClr val="bg1">
+                    <a:lumMod val="95000"/>
+                  </a:schemeClr>
+                </a:solidFill>
+                <a:effectLst>
+                  <a:outerShdw blurRad="38100" dist="38100" dir="2700000" algn="tl">
+                    <a:srgbClr val="000000">
+                      <a:alpha val="43137"/>
+                    </a:srgbClr>
+                  </a:outerShdw>
+                </a:effectLst>
+              </a:rPr>
               <a:t>Look for Columns with preset values</a:t>
             </a:r>
           </a:p>
           <a:p>
             <a:pPr lvl="1"/>
             <a:r>
-              <a:rPr lang="en-US" dirty="0" smtClean="0"/>
+              <a:rPr lang="en-US" dirty="0">
+                <a:solidFill>
+                  <a:schemeClr val="bg1">
+                    <a:lumMod val="95000"/>
+                  </a:schemeClr>
+                </a:solidFill>
+                <a:effectLst>
+                  <a:outerShdw blurRad="38100" dist="38100" dir="2700000" algn="tl">
+                    <a:srgbClr val="000000">
+                      <a:alpha val="43137"/>
+                    </a:srgbClr>
+                  </a:outerShdw>
+                </a:effectLst>
+              </a:rPr>
               <a:t>Yes/No</a:t>
             </a:r>
           </a:p>
           <a:p>
             <a:pPr lvl="1"/>
             <a:r>
-              <a:rPr lang="en-US" dirty="0" smtClean="0"/>
+              <a:rPr lang="en-US" dirty="0">
+                <a:solidFill>
+                  <a:schemeClr val="bg1">
+                    <a:lumMod val="95000"/>
+                  </a:schemeClr>
+                </a:solidFill>
+                <a:effectLst>
+                  <a:outerShdw blurRad="38100" dist="38100" dir="2700000" algn="tl">
+                    <a:srgbClr val="000000">
+                      <a:alpha val="43137"/>
+                    </a:srgbClr>
+                  </a:outerShdw>
+                </a:effectLst>
+              </a:rPr>
               <a:t>Closed/Active</a:t>
             </a:r>
-            <a:endParaRPr lang="en-US" dirty="0"/>
+          </a:p>
+          <a:p>
+            <a:endParaRPr lang="en-US" dirty="0">
+              <a:solidFill>
+                <a:schemeClr val="bg1">
+                  <a:lumMod val="95000"/>
+                </a:schemeClr>
+              </a:solidFill>
+              <a:effectLst>
+                <a:outerShdw blurRad="38100" dist="38100" dir="2700000" algn="tl">
+                  <a:srgbClr val="000000">
+                    <a:alpha val="43137"/>
+                  </a:srgbClr>
+                </a:outerShdw>
+              </a:effectLst>
+            </a:endParaRPr>
           </a:p>
         </p:txBody>
       </p:sp>
@@ -3669,6 +3963,36 @@
           <a:chExt cx="0" cy="0"/>
         </a:xfrm>
       </p:grpSpPr>
+      <p:pic>
+        <p:nvPicPr>
+          <p:cNvPr id="3" name="Picture 2"/>
+          <p:cNvPicPr preferRelativeResize="0">
+            <a:picLocks/>
+          </p:cNvPicPr>
+          <p:nvPr/>
+        </p:nvPicPr>
+        <p:blipFill>
+          <a:blip r:embed="rId2">
+            <a:extLst>
+              <a:ext uri="{28A0092B-C50C-407E-A947-70E740481C1C}">
+                <a14:useLocalDpi xmlns:a14="http://schemas.microsoft.com/office/drawing/2010/main" val="0"/>
+              </a:ext>
+            </a:extLst>
+          </a:blip>
+          <a:stretch>
+            <a:fillRect/>
+          </a:stretch>
+        </p:blipFill>
+        <p:spPr>
+          <a:xfrm>
+            <a:off x="0" y="0"/>
+            <a:ext cx="12192000" cy="6858000"/>
+          </a:xfrm>
+          <a:prstGeom prst="rect">
+            <a:avLst/>
+          </a:prstGeom>
+        </p:spPr>
+      </p:pic>
       <p:sp>
         <p:nvSpPr>
           <p:cNvPr id="2" name="Title 1"/>
@@ -3685,10 +4009,36 @@
           <a:lstStyle/>
           <a:p>
             <a:r>
-              <a:rPr lang="en-US" dirty="0" smtClean="0"/>
+              <a:rPr lang="en-US" dirty="0" smtClean="0">
+                <a:solidFill>
+                  <a:schemeClr val="bg1">
+                    <a:lumMod val="95000"/>
+                  </a:schemeClr>
+                </a:solidFill>
+                <a:effectLst>
+                  <a:outerShdw blurRad="38100" dist="38100" dir="2700000" algn="tl">
+                    <a:srgbClr val="000000">
+                      <a:alpha val="43137"/>
+                    </a:srgbClr>
+                  </a:outerShdw>
+                </a:effectLst>
+              </a:rPr>
               <a:t>Keys are the Key </a:t>
             </a:r>
-            <a:endParaRPr lang="en-US" dirty="0"/>
+            <a:endParaRPr lang="en-US" dirty="0">
+              <a:solidFill>
+                <a:schemeClr val="bg1">
+                  <a:lumMod val="95000"/>
+                </a:schemeClr>
+              </a:solidFill>
+              <a:effectLst>
+                <a:outerShdw blurRad="38100" dist="38100" dir="2700000" algn="tl">
+                  <a:srgbClr val="000000">
+                    <a:alpha val="43137"/>
+                  </a:srgbClr>
+                </a:outerShdw>
+              </a:effectLst>
+            </a:endParaRPr>
           </a:p>
         </p:txBody>
       </p:sp>
@@ -3703,7 +4053,7 @@
           </p:nvPr>
         </p:nvPicPr>
         <p:blipFill>
-          <a:blip r:embed="rId2">
+          <a:blip r:embed="rId3">
             <a:extLst>
               <a:ext uri="{28A0092B-C50C-407E-A947-70E740481C1C}">
                 <a14:useLocalDpi xmlns:a14="http://schemas.microsoft.com/office/drawing/2010/main" val="0"/>
@@ -3730,7 +4080,7 @@
           <p:nvPr/>
         </p:nvPicPr>
         <p:blipFill>
-          <a:blip r:embed="rId3">
+          <a:blip r:embed="rId4">
             <a:extLst>
               <a:ext uri="{28A0092B-C50C-407E-A947-70E740481C1C}">
                 <a14:useLocalDpi xmlns:a14="http://schemas.microsoft.com/office/drawing/2010/main" val="0"/>
@@ -3754,13 +4104,20 @@
     </p:spTree>
     <p:extLst>
       <p:ext uri="{BB962C8B-B14F-4D97-AF65-F5344CB8AC3E}">
-        <p14:creationId xmlns:p14="http://schemas.microsoft.com/office/powerpoint/2010/main" val="3685266591"/>
+        <p14:creationId xmlns:p14="http://schemas.microsoft.com/office/powerpoint/2010/main" val="847566237"/>
       </p:ext>
     </p:extLst>
   </p:cSld>
   <p:clrMapOvr>
     <a:masterClrMapping/>
   </p:clrMapOvr>
+  <p:timing>
+    <p:tnLst>
+      <p:par>
+        <p:cTn id="1" dur="indefinite" restart="never" nodeType="tmRoot"/>
+      </p:par>
+    </p:tnLst>
+  </p:timing>
 </p:sld>
 </file>
 
@@ -3781,6 +4138,36 @@
           <a:chExt cx="0" cy="0"/>
         </a:xfrm>
       </p:grpSpPr>
+      <p:pic>
+        <p:nvPicPr>
+          <p:cNvPr id="4" name="Picture 3"/>
+          <p:cNvPicPr preferRelativeResize="0">
+            <a:picLocks/>
+          </p:cNvPicPr>
+          <p:nvPr/>
+        </p:nvPicPr>
+        <p:blipFill>
+          <a:blip r:embed="rId2">
+            <a:extLst>
+              <a:ext uri="{28A0092B-C50C-407E-A947-70E740481C1C}">
+                <a14:useLocalDpi xmlns:a14="http://schemas.microsoft.com/office/drawing/2010/main" val="0"/>
+              </a:ext>
+            </a:extLst>
+          </a:blip>
+          <a:stretch>
+            <a:fillRect/>
+          </a:stretch>
+        </p:blipFill>
+        <p:spPr>
+          <a:xfrm>
+            <a:off x="0" y="0"/>
+            <a:ext cx="12192000" cy="6858000"/>
+          </a:xfrm>
+          <a:prstGeom prst="rect">
+            <a:avLst/>
+          </a:prstGeom>
+        </p:spPr>
+      </p:pic>
       <p:sp>
         <p:nvSpPr>
           <p:cNvPr id="2" name="Title 1"/>
@@ -3797,10 +4184,36 @@
           <a:lstStyle/>
           <a:p>
             <a:r>
-              <a:rPr lang="en-US" dirty="0" smtClean="0"/>
+              <a:rPr lang="en-US" dirty="0" smtClean="0">
+                <a:solidFill>
+                  <a:schemeClr val="bg1">
+                    <a:lumMod val="95000"/>
+                  </a:schemeClr>
+                </a:solidFill>
+                <a:effectLst>
+                  <a:outerShdw blurRad="38100" dist="38100" dir="2700000" algn="tl">
+                    <a:srgbClr val="000000">
+                      <a:alpha val="43137"/>
+                    </a:srgbClr>
+                  </a:outerShdw>
+                </a:effectLst>
+              </a:rPr>
               <a:t>Going to Relational – What Repeats?</a:t>
             </a:r>
-            <a:endParaRPr lang="en-US" dirty="0"/>
+            <a:endParaRPr lang="en-US" dirty="0">
+              <a:solidFill>
+                <a:schemeClr val="bg1">
+                  <a:lumMod val="95000"/>
+                </a:schemeClr>
+              </a:solidFill>
+              <a:effectLst>
+                <a:outerShdw blurRad="38100" dist="38100" dir="2700000" algn="tl">
+                  <a:srgbClr val="000000">
+                    <a:alpha val="43137"/>
+                  </a:srgbClr>
+                </a:outerShdw>
+              </a:effectLst>
+            </a:endParaRPr>
           </a:p>
         </p:txBody>
       </p:sp>
@@ -3820,33 +4233,83 @@
           <a:lstStyle/>
           <a:p>
             <a:r>
-              <a:rPr lang="en-US" dirty="0" smtClean="0"/>
+              <a:rPr lang="en-US" dirty="0">
+                <a:solidFill>
+                  <a:schemeClr val="bg1">
+                    <a:lumMod val="95000"/>
+                  </a:schemeClr>
+                </a:solidFill>
+                <a:effectLst>
+                  <a:outerShdw blurRad="38100" dist="38100" dir="2700000" algn="tl">
+                    <a:srgbClr val="000000">
+                      <a:alpha val="43137"/>
+                    </a:srgbClr>
+                  </a:outerShdw>
+                </a:effectLst>
+              </a:rPr>
               <a:t>Do any values repeat within a column?</a:t>
             </a:r>
           </a:p>
           <a:p>
             <a:pPr lvl="1"/>
             <a:r>
-              <a:rPr lang="en-US" dirty="0" smtClean="0"/>
+              <a:rPr lang="en-US" dirty="0">
+                <a:solidFill>
+                  <a:schemeClr val="bg1">
+                    <a:lumMod val="95000"/>
+                  </a:schemeClr>
+                </a:solidFill>
+                <a:effectLst>
+                  <a:outerShdw blurRad="38100" dist="38100" dir="2700000" algn="tl">
+                    <a:srgbClr val="000000">
+                      <a:alpha val="43137"/>
+                    </a:srgbClr>
+                  </a:outerShdw>
+                </a:effectLst>
+              </a:rPr>
               <a:t>Should they be extracted?</a:t>
             </a:r>
           </a:p>
           <a:p>
             <a:r>
-              <a:rPr lang="en-US" dirty="0" smtClean="0"/>
+              <a:rPr lang="en-US" dirty="0">
+                <a:solidFill>
+                  <a:schemeClr val="bg1">
+                    <a:lumMod val="95000"/>
+                  </a:schemeClr>
+                </a:solidFill>
+                <a:effectLst>
+                  <a:outerShdw blurRad="38100" dist="38100" dir="2700000" algn="tl">
+                    <a:srgbClr val="000000">
+                      <a:alpha val="43137"/>
+                    </a:srgbClr>
+                  </a:outerShdw>
+                </a:effectLst>
+              </a:rPr>
               <a:t>Do any column names seem to repeat?</a:t>
             </a:r>
           </a:p>
           <a:p>
             <a:pPr lvl="1"/>
             <a:r>
-              <a:rPr lang="en-US" dirty="0" smtClean="0"/>
-              <a:t>Do they hold similar or related dat</a:t>
-            </a:r>
-            <a:r>
-              <a:rPr lang="en-US" dirty="0" smtClean="0"/>
-              <a:t>a?</a:t>
-            </a:r>
+              <a:rPr lang="en-US" dirty="0">
+                <a:solidFill>
+                  <a:schemeClr val="bg1">
+                    <a:lumMod val="95000"/>
+                  </a:schemeClr>
+                </a:solidFill>
+                <a:effectLst>
+                  <a:outerShdw blurRad="38100" dist="38100" dir="2700000" algn="tl">
+                    <a:srgbClr val="000000">
+                      <a:alpha val="43137"/>
+                    </a:srgbClr>
+                  </a:outerShdw>
+                </a:effectLst>
+              </a:rPr>
+              <a:t>Do they hold similar or related data?</a:t>
+            </a:r>
+          </a:p>
+          <a:p>
             <a:endParaRPr lang="en-US" dirty="0"/>
           </a:p>
         </p:txBody>
@@ -3861,6 +4324,13 @@
   <p:clrMapOvr>
     <a:masterClrMapping/>
   </p:clrMapOvr>
+  <p:timing>
+    <p:tnLst>
+      <p:par>
+        <p:cTn id="1" dur="indefinite" restart="never" nodeType="tmRoot"/>
+      </p:par>
+    </p:tnLst>
+  </p:timing>
 </p:sld>
 </file>
 
@@ -3881,6 +4351,36 @@
           <a:chExt cx="0" cy="0"/>
         </a:xfrm>
       </p:grpSpPr>
+      <p:pic>
+        <p:nvPicPr>
+          <p:cNvPr id="4" name="Picture 3"/>
+          <p:cNvPicPr preferRelativeResize="0">
+            <a:picLocks/>
+          </p:cNvPicPr>
+          <p:nvPr/>
+        </p:nvPicPr>
+        <p:blipFill>
+          <a:blip r:embed="rId2">
+            <a:extLst>
+              <a:ext uri="{28A0092B-C50C-407E-A947-70E740481C1C}">
+                <a14:useLocalDpi xmlns:a14="http://schemas.microsoft.com/office/drawing/2010/main" val="0"/>
+              </a:ext>
+            </a:extLst>
+          </a:blip>
+          <a:stretch>
+            <a:fillRect/>
+          </a:stretch>
+        </p:blipFill>
+        <p:spPr>
+          <a:xfrm>
+            <a:off x="2848" y="0"/>
+            <a:ext cx="12189152" cy="6858000"/>
+          </a:xfrm>
+          <a:prstGeom prst="rect">
+            <a:avLst/>
+          </a:prstGeom>
+        </p:spPr>
+      </p:pic>
       <p:sp>
         <p:nvSpPr>
           <p:cNvPr id="2" name="Title 1"/>
@@ -3897,10 +4397,36 @@
           <a:lstStyle/>
           <a:p>
             <a:r>
-              <a:rPr lang="en-US" dirty="0" smtClean="0"/>
+              <a:rPr lang="en-US" dirty="0" smtClean="0">
+                <a:solidFill>
+                  <a:schemeClr val="bg1">
+                    <a:lumMod val="95000"/>
+                  </a:schemeClr>
+                </a:solidFill>
+                <a:effectLst>
+                  <a:outerShdw blurRad="38100" dist="38100" dir="2700000" algn="tl">
+                    <a:srgbClr val="000000">
+                      <a:alpha val="43137"/>
+                    </a:srgbClr>
+                  </a:outerShdw>
+                </a:effectLst>
+              </a:rPr>
               <a:t>Going to Relational – Where should it go?</a:t>
             </a:r>
-            <a:endParaRPr lang="en-US" dirty="0"/>
+            <a:endParaRPr lang="en-US" dirty="0">
+              <a:solidFill>
+                <a:schemeClr val="bg1">
+                  <a:lumMod val="95000"/>
+                </a:schemeClr>
+              </a:solidFill>
+              <a:effectLst>
+                <a:outerShdw blurRad="38100" dist="38100" dir="2700000" algn="tl">
+                  <a:srgbClr val="000000">
+                    <a:alpha val="43137"/>
+                  </a:srgbClr>
+                </a:outerShdw>
+              </a:effectLst>
+            </a:endParaRPr>
           </a:p>
         </p:txBody>
       </p:sp>
@@ -3920,13 +4446,39 @@
           <a:lstStyle/>
           <a:p>
             <a:r>
-              <a:rPr lang="en-US" dirty="0" smtClean="0"/>
+              <a:rPr lang="en-US" dirty="0" smtClean="0">
+                <a:solidFill>
+                  <a:schemeClr val="bg1">
+                    <a:lumMod val="95000"/>
+                  </a:schemeClr>
+                </a:solidFill>
+                <a:effectLst>
+                  <a:outerShdw blurRad="38100" dist="38100" dir="2700000" algn="tl">
+                    <a:srgbClr val="000000">
+                      <a:alpha val="43137"/>
+                    </a:srgbClr>
+                  </a:outerShdw>
+                </a:effectLst>
+              </a:rPr>
               <a:t>Repeating values may go into Lookup tables</a:t>
             </a:r>
           </a:p>
           <a:p>
             <a:r>
-              <a:rPr lang="en-US" dirty="0" smtClean="0"/>
+              <a:rPr lang="en-US" dirty="0" smtClean="0">
+                <a:solidFill>
+                  <a:schemeClr val="bg1">
+                    <a:lumMod val="95000"/>
+                  </a:schemeClr>
+                </a:solidFill>
+                <a:effectLst>
+                  <a:outerShdw blurRad="38100" dist="38100" dir="2700000" algn="tl">
+                    <a:srgbClr val="000000">
+                      <a:alpha val="43137"/>
+                    </a:srgbClr>
+                  </a:outerShdw>
+                </a:effectLst>
+              </a:rPr>
               <a:t>What’s a Lookup table?</a:t>
             </a:r>
           </a:p>
@@ -3944,7 +4496,7 @@
           <p:nvPr/>
         </p:nvPicPr>
         <p:blipFill>
-          <a:blip r:embed="rId2">
+          <a:blip r:embed="rId3">
             <a:extLst>
               <a:ext uri="{28A0092B-C50C-407E-A947-70E740481C1C}">
                 <a14:useLocalDpi xmlns:a14="http://schemas.microsoft.com/office/drawing/2010/main" val="0"/>
@@ -3974,7 +4526,7 @@
           <p:nvPr/>
         </p:nvPicPr>
         <p:blipFill>
-          <a:blip r:embed="rId3">
+          <a:blip r:embed="rId4">
             <a:extLst>
               <a:ext uri="{28A0092B-C50C-407E-A947-70E740481C1C}">
                 <a14:useLocalDpi xmlns:a14="http://schemas.microsoft.com/office/drawing/2010/main" val="0"/>
@@ -3998,13 +4550,20 @@
     </p:spTree>
     <p:extLst>
       <p:ext uri="{BB962C8B-B14F-4D97-AF65-F5344CB8AC3E}">
-        <p14:creationId xmlns:p14="http://schemas.microsoft.com/office/powerpoint/2010/main" val="2703823979"/>
+        <p14:creationId xmlns:p14="http://schemas.microsoft.com/office/powerpoint/2010/main" val="1788830515"/>
       </p:ext>
     </p:extLst>
   </p:cSld>
   <p:clrMapOvr>
     <a:masterClrMapping/>
   </p:clrMapOvr>
+  <p:timing>
+    <p:tnLst>
+      <p:par>
+        <p:cTn id="1" dur="indefinite" restart="never" nodeType="tmRoot"/>
+      </p:par>
+    </p:tnLst>
+  </p:timing>
 </p:sld>
 </file>
 
@@ -4025,6 +4584,36 @@
           <a:chExt cx="0" cy="0"/>
         </a:xfrm>
       </p:grpSpPr>
+      <p:pic>
+        <p:nvPicPr>
+          <p:cNvPr id="3" name="Picture 2"/>
+          <p:cNvPicPr preferRelativeResize="0">
+            <a:picLocks/>
+          </p:cNvPicPr>
+          <p:nvPr/>
+        </p:nvPicPr>
+        <p:blipFill>
+          <a:blip r:embed="rId2">
+            <a:extLst>
+              <a:ext uri="{28A0092B-C50C-407E-A947-70E740481C1C}">
+                <a14:useLocalDpi xmlns:a14="http://schemas.microsoft.com/office/drawing/2010/main" val="0"/>
+              </a:ext>
+            </a:extLst>
+          </a:blip>
+          <a:stretch>
+            <a:fillRect/>
+          </a:stretch>
+        </p:blipFill>
+        <p:spPr>
+          <a:xfrm>
+            <a:off x="0" y="-10319"/>
+            <a:ext cx="12192000" cy="6868319"/>
+          </a:xfrm>
+          <a:prstGeom prst="rect">
+            <a:avLst/>
+          </a:prstGeom>
+        </p:spPr>
+      </p:pic>
       <p:sp>
         <p:nvSpPr>
           <p:cNvPr id="2" name="Title 1"/>
@@ -4041,10 +4630,36 @@
           <a:lstStyle/>
           <a:p>
             <a:r>
-              <a:rPr lang="en-US" dirty="0" smtClean="0"/>
+              <a:rPr lang="en-US" dirty="0" smtClean="0">
+                <a:solidFill>
+                  <a:schemeClr val="bg1">
+                    <a:lumMod val="95000"/>
+                  </a:schemeClr>
+                </a:solidFill>
+                <a:effectLst>
+                  <a:outerShdw blurRad="38100" dist="38100" dir="2700000" algn="tl">
+                    <a:srgbClr val="000000">
+                      <a:alpha val="43137"/>
+                    </a:srgbClr>
+                  </a:outerShdw>
+                </a:effectLst>
+              </a:rPr>
               <a:t>Going to Relational – Where should it go?</a:t>
             </a:r>
-            <a:endParaRPr lang="en-US" dirty="0"/>
+            <a:endParaRPr lang="en-US" dirty="0">
+              <a:solidFill>
+                <a:schemeClr val="bg1">
+                  <a:lumMod val="95000"/>
+                </a:schemeClr>
+              </a:solidFill>
+              <a:effectLst>
+                <a:outerShdw blurRad="38100" dist="38100" dir="2700000" algn="tl">
+                  <a:srgbClr val="000000">
+                    <a:alpha val="43137"/>
+                  </a:srgbClr>
+                </a:outerShdw>
+              </a:effectLst>
+            </a:endParaRPr>
           </a:p>
         </p:txBody>
       </p:sp>
@@ -4059,7 +4674,7 @@
           </p:nvPr>
         </p:nvPicPr>
         <p:blipFill>
-          <a:blip r:embed="rId2">
+          <a:blip r:embed="rId3">
             <a:extLst>
               <a:ext uri="{28A0092B-C50C-407E-A947-70E740481C1C}">
                 <a14:useLocalDpi xmlns:a14="http://schemas.microsoft.com/office/drawing/2010/main" val="0"/>
@@ -4086,7 +4701,7 @@
           <p:nvPr/>
         </p:nvPicPr>
         <p:blipFill>
-          <a:blip r:embed="rId3">
+          <a:blip r:embed="rId4">
             <a:extLst>
               <a:ext uri="{28A0092B-C50C-407E-A947-70E740481C1C}">
                 <a14:useLocalDpi xmlns:a14="http://schemas.microsoft.com/office/drawing/2010/main" val="0"/>
@@ -4116,7 +4731,7 @@
           <p:nvPr/>
         </p:nvPicPr>
         <p:blipFill>
-          <a:blip r:embed="rId4">
+          <a:blip r:embed="rId5">
             <a:extLst>
               <a:ext uri="{28A0092B-C50C-407E-A947-70E740481C1C}">
                 <a14:useLocalDpi xmlns:a14="http://schemas.microsoft.com/office/drawing/2010/main" val="0"/>
@@ -4146,7 +4761,7 @@
           <p:nvPr/>
         </p:nvPicPr>
         <p:blipFill>
-          <a:blip r:embed="rId5">
+          <a:blip r:embed="rId6">
             <a:extLst>
               <a:ext uri="{28A0092B-C50C-407E-A947-70E740481C1C}">
                 <a14:useLocalDpi xmlns:a14="http://schemas.microsoft.com/office/drawing/2010/main" val="0"/>
@@ -4176,7 +4791,7 @@
           <p:nvPr/>
         </p:nvPicPr>
         <p:blipFill>
-          <a:blip r:embed="rId6">
+          <a:blip r:embed="rId7">
             <a:extLst>
               <a:ext uri="{28A0092B-C50C-407E-A947-70E740481C1C}">
                 <a14:useLocalDpi xmlns:a14="http://schemas.microsoft.com/office/drawing/2010/main" val="0"/>
@@ -4200,13 +4815,20 @@
     </p:spTree>
     <p:extLst>
       <p:ext uri="{BB962C8B-B14F-4D97-AF65-F5344CB8AC3E}">
-        <p14:creationId xmlns:p14="http://schemas.microsoft.com/office/powerpoint/2010/main" val="99440981"/>
+        <p14:creationId xmlns:p14="http://schemas.microsoft.com/office/powerpoint/2010/main" val="386389809"/>
       </p:ext>
     </p:extLst>
   </p:cSld>
   <p:clrMapOvr>
     <a:masterClrMapping/>
   </p:clrMapOvr>
+  <p:timing>
+    <p:tnLst>
+      <p:par>
+        <p:cTn id="1" dur="indefinite" restart="never" nodeType="tmRoot"/>
+      </p:par>
+    </p:tnLst>
+  </p:timing>
 </p:sld>
 </file>
 
@@ -4227,6 +4849,36 @@
           <a:chExt cx="0" cy="0"/>
         </a:xfrm>
       </p:grpSpPr>
+      <p:pic>
+        <p:nvPicPr>
+          <p:cNvPr id="3" name="Picture 2"/>
+          <p:cNvPicPr preferRelativeResize="0">
+            <a:picLocks/>
+          </p:cNvPicPr>
+          <p:nvPr/>
+        </p:nvPicPr>
+        <p:blipFill>
+          <a:blip r:embed="rId2">
+            <a:extLst>
+              <a:ext uri="{28A0092B-C50C-407E-A947-70E740481C1C}">
+                <a14:useLocalDpi xmlns:a14="http://schemas.microsoft.com/office/drawing/2010/main" val="0"/>
+              </a:ext>
+            </a:extLst>
+          </a:blip>
+          <a:stretch>
+            <a:fillRect/>
+          </a:stretch>
+        </p:blipFill>
+        <p:spPr>
+          <a:xfrm>
+            <a:off x="0" y="0"/>
+            <a:ext cx="12192000" cy="8109527"/>
+          </a:xfrm>
+          <a:prstGeom prst="rect">
+            <a:avLst/>
+          </a:prstGeom>
+        </p:spPr>
+      </p:pic>
       <p:sp>
         <p:nvSpPr>
           <p:cNvPr id="2" name="Title 1"/>
@@ -4243,10 +4895,36 @@
           <a:lstStyle/>
           <a:p>
             <a:r>
-              <a:rPr lang="en-US" dirty="0" smtClean="0"/>
+              <a:rPr lang="en-US" dirty="0" smtClean="0">
+                <a:solidFill>
+                  <a:schemeClr val="bg1">
+                    <a:lumMod val="95000"/>
+                  </a:schemeClr>
+                </a:solidFill>
+                <a:effectLst>
+                  <a:outerShdw blurRad="38100" dist="38100" dir="2700000" algn="tl">
+                    <a:srgbClr val="000000">
+                      <a:alpha val="43137"/>
+                    </a:srgbClr>
+                  </a:outerShdw>
+                </a:effectLst>
+              </a:rPr>
               <a:t>Going to Relational - Repeating Columns </a:t>
             </a:r>
-            <a:endParaRPr lang="en-US" dirty="0"/>
+            <a:endParaRPr lang="en-US" dirty="0">
+              <a:solidFill>
+                <a:schemeClr val="bg1">
+                  <a:lumMod val="95000"/>
+                </a:schemeClr>
+              </a:solidFill>
+              <a:effectLst>
+                <a:outerShdw blurRad="38100" dist="38100" dir="2700000" algn="tl">
+                  <a:srgbClr val="000000">
+                    <a:alpha val="43137"/>
+                  </a:srgbClr>
+                </a:outerShdw>
+              </a:effectLst>
+            </a:endParaRPr>
           </a:p>
         </p:txBody>
       </p:sp>
@@ -4261,7 +4939,7 @@
           </p:nvPr>
         </p:nvPicPr>
         <p:blipFill>
-          <a:blip r:embed="rId2">
+          <a:blip r:embed="rId3">
             <a:extLst>
               <a:ext uri="{28A0092B-C50C-407E-A947-70E740481C1C}">
                 <a14:useLocalDpi xmlns:a14="http://schemas.microsoft.com/office/drawing/2010/main" val="0"/>
@@ -4282,13 +4960,20 @@
     </p:spTree>
     <p:extLst>
       <p:ext uri="{BB962C8B-B14F-4D97-AF65-F5344CB8AC3E}">
-        <p14:creationId xmlns:p14="http://schemas.microsoft.com/office/powerpoint/2010/main" val="2127465477"/>
+        <p14:creationId xmlns:p14="http://schemas.microsoft.com/office/powerpoint/2010/main" val="539517812"/>
       </p:ext>
     </p:extLst>
   </p:cSld>
   <p:clrMapOvr>
     <a:masterClrMapping/>
   </p:clrMapOvr>
+  <p:timing>
+    <p:tnLst>
+      <p:par>
+        <p:cTn id="1" dur="indefinite" restart="never" nodeType="tmRoot"/>
+      </p:par>
+    </p:tnLst>
+  </p:timing>
 </p:sld>
 </file>
 
@@ -4309,6 +4994,36 @@
           <a:chExt cx="0" cy="0"/>
         </a:xfrm>
       </p:grpSpPr>
+      <p:pic>
+        <p:nvPicPr>
+          <p:cNvPr id="5" name="Picture 4"/>
+          <p:cNvPicPr preferRelativeResize="0">
+            <a:picLocks/>
+          </p:cNvPicPr>
+          <p:nvPr/>
+        </p:nvPicPr>
+        <p:blipFill>
+          <a:blip r:embed="rId2">
+            <a:extLst>
+              <a:ext uri="{28A0092B-C50C-407E-A947-70E740481C1C}">
+                <a14:useLocalDpi xmlns:a14="http://schemas.microsoft.com/office/drawing/2010/main" val="0"/>
+              </a:ext>
+            </a:extLst>
+          </a:blip>
+          <a:stretch>
+            <a:fillRect/>
+          </a:stretch>
+        </p:blipFill>
+        <p:spPr>
+          <a:xfrm>
+            <a:off x="0" y="0"/>
+            <a:ext cx="12192000" cy="6858000"/>
+          </a:xfrm>
+          <a:prstGeom prst="rect">
+            <a:avLst/>
+          </a:prstGeom>
+        </p:spPr>
+      </p:pic>
       <p:sp>
         <p:nvSpPr>
           <p:cNvPr id="2" name="Title 1"/>
@@ -4325,10 +5040,36 @@
           <a:lstStyle/>
           <a:p>
             <a:r>
-              <a:rPr lang="en-US" dirty="0" smtClean="0"/>
+              <a:rPr lang="en-US" dirty="0" smtClean="0">
+                <a:solidFill>
+                  <a:schemeClr val="bg1">
+                    <a:lumMod val="95000"/>
+                  </a:schemeClr>
+                </a:solidFill>
+                <a:effectLst>
+                  <a:outerShdw blurRad="38100" dist="38100" dir="2700000" algn="tl">
+                    <a:srgbClr val="000000">
+                      <a:alpha val="43137"/>
+                    </a:srgbClr>
+                  </a:outerShdw>
+                </a:effectLst>
+              </a:rPr>
               <a:t>Going to Relational - Repeating Columns </a:t>
             </a:r>
-            <a:endParaRPr lang="en-US" dirty="0"/>
+            <a:endParaRPr lang="en-US" dirty="0">
+              <a:solidFill>
+                <a:schemeClr val="bg1">
+                  <a:lumMod val="95000"/>
+                </a:schemeClr>
+              </a:solidFill>
+              <a:effectLst>
+                <a:outerShdw blurRad="38100" dist="38100" dir="2700000" algn="tl">
+                  <a:srgbClr val="000000">
+                    <a:alpha val="43137"/>
+                  </a:srgbClr>
+                </a:outerShdw>
+              </a:effectLst>
+            </a:endParaRPr>
           </a:p>
         </p:txBody>
       </p:sp>
@@ -4343,7 +5084,7 @@
           </p:nvPr>
         </p:nvPicPr>
         <p:blipFill>
-          <a:blip r:embed="rId2">
+          <a:blip r:embed="rId3">
             <a:extLst>
               <a:ext uri="{28A0092B-C50C-407E-A947-70E740481C1C}">
                 <a14:useLocalDpi xmlns:a14="http://schemas.microsoft.com/office/drawing/2010/main" val="0"/>
@@ -4370,7 +5111,7 @@
           <p:nvPr/>
         </p:nvPicPr>
         <p:blipFill>
-          <a:blip r:embed="rId3">
+          <a:blip r:embed="rId4">
             <a:extLst>
               <a:ext uri="{28A0092B-C50C-407E-A947-70E740481C1C}">
                 <a14:useLocalDpi xmlns:a14="http://schemas.microsoft.com/office/drawing/2010/main" val="0"/>
@@ -4394,13 +5135,20 @@
     </p:spTree>
     <p:extLst>
       <p:ext uri="{BB962C8B-B14F-4D97-AF65-F5344CB8AC3E}">
-        <p14:creationId xmlns:p14="http://schemas.microsoft.com/office/powerpoint/2010/main" val="2438050859"/>
+        <p14:creationId xmlns:p14="http://schemas.microsoft.com/office/powerpoint/2010/main" val="129901274"/>
       </p:ext>
     </p:extLst>
   </p:cSld>
   <p:clrMapOvr>
     <a:masterClrMapping/>
   </p:clrMapOvr>
+  <p:timing>
+    <p:tnLst>
+      <p:par>
+        <p:cTn id="1" dur="indefinite" restart="never" nodeType="tmRoot"/>
+      </p:par>
+    </p:tnLst>
+  </p:timing>
 </p:sld>
 </file>
 
@@ -4438,220 +5186,7 @@
           <a:p>
             <a:r>
               <a:rPr lang="en-US" dirty="0" smtClean="0"/>
-              <a:t>Break them Loose!</a:t>
-            </a:r>
-            <a:endParaRPr lang="en-US" dirty="0"/>
-          </a:p>
-        </p:txBody>
-      </p:sp>
-      <p:pic>
-        <p:nvPicPr>
-          <p:cNvPr id="4" name="Content Placeholder 3"/>
-          <p:cNvPicPr>
-            <a:picLocks noGrp="1" noChangeAspect="1"/>
-          </p:cNvPicPr>
-          <p:nvPr>
-            <p:ph idx="1"/>
-          </p:nvPr>
-        </p:nvPicPr>
-        <p:blipFill>
-          <a:blip r:embed="rId2" cstate="print">
-            <a:extLst>
-              <a:ext uri="{28A0092B-C50C-407E-A947-70E740481C1C}">
-                <a14:useLocalDpi xmlns:a14="http://schemas.microsoft.com/office/drawing/2010/main" val="0"/>
-              </a:ext>
-            </a:extLst>
-          </a:blip>
-          <a:stretch>
-            <a:fillRect/>
-          </a:stretch>
-        </p:blipFill>
-        <p:spPr>
-          <a:xfrm>
-            <a:off x="5157510" y="136903"/>
-            <a:ext cx="6504008" cy="6820600"/>
-          </a:xfrm>
-        </p:spPr>
-      </p:pic>
-    </p:spTree>
-    <p:extLst>
-      <p:ext uri="{BB962C8B-B14F-4D97-AF65-F5344CB8AC3E}">
-        <p14:creationId xmlns:p14="http://schemas.microsoft.com/office/powerpoint/2010/main" val="67832256"/>
-      </p:ext>
-    </p:extLst>
-  </p:cSld>
-  <p:clrMapOvr>
-    <a:masterClrMapping/>
-  </p:clrMapOvr>
-  <p:timing>
-    <p:tnLst>
-      <p:par>
-        <p:cTn id="1" dur="indefinite" restart="never" nodeType="tmRoot"/>
-      </p:par>
-    </p:tnLst>
-  </p:timing>
-</p:sld>
-</file>
-
-<file path=ppt/slides/slide2.xml><?xml version="1.0" encoding="utf-8"?>
-<p:sld xmlns:a="http://schemas.openxmlformats.org/drawingml/2006/main" xmlns:r="http://schemas.openxmlformats.org/officeDocument/2006/relationships" xmlns:p="http://schemas.openxmlformats.org/presentationml/2006/main">
-  <p:cSld>
-    <p:spTree>
-      <p:nvGrpSpPr>
-        <p:cNvPr id="1" name=""/>
-        <p:cNvGrpSpPr/>
-        <p:nvPr/>
-      </p:nvGrpSpPr>
-      <p:grpSpPr>
-        <a:xfrm>
-          <a:off x="0" y="0"/>
-          <a:ext cx="0" cy="0"/>
-          <a:chOff x="0" y="0"/>
-          <a:chExt cx="0" cy="0"/>
-        </a:xfrm>
-      </p:grpSpPr>
-      <p:sp>
-        <p:nvSpPr>
-          <p:cNvPr id="2" name="Title 1"/>
-          <p:cNvSpPr>
-            <a:spLocks noGrp="1"/>
-          </p:cNvSpPr>
-          <p:nvPr>
-            <p:ph type="title"/>
-          </p:nvPr>
-        </p:nvSpPr>
-        <p:spPr/>
-        <p:txBody>
-          <a:bodyPr/>
-          <a:lstStyle/>
-          <a:p>
-            <a:r>
-              <a:rPr lang="en-US" dirty="0" smtClean="0"/>
-              <a:t>About Me</a:t>
-            </a:r>
-            <a:endParaRPr lang="en-US" dirty="0"/>
-          </a:p>
-        </p:txBody>
-      </p:sp>
-      <p:sp>
-        <p:nvSpPr>
-          <p:cNvPr id="3" name="Content Placeholder 2"/>
-          <p:cNvSpPr>
-            <a:spLocks noGrp="1"/>
-          </p:cNvSpPr>
-          <p:nvPr>
-            <p:ph idx="1"/>
-          </p:nvPr>
-        </p:nvSpPr>
-        <p:spPr/>
-        <p:txBody>
-          <a:bodyPr/>
-          <a:lstStyle/>
-          <a:p>
-            <a:r>
-              <a:rPr lang="en-US" dirty="0" smtClean="0"/>
-              <a:t>President of VDS since 1990</a:t>
-            </a:r>
-          </a:p>
-          <a:p>
-            <a:r>
-              <a:rPr lang="en-US" dirty="0" smtClean="0"/>
-              <a:t>Architect, Db Designer, Developer</a:t>
-            </a:r>
-          </a:p>
-          <a:p>
-            <a:r>
-              <a:rPr lang="en-US" dirty="0" smtClean="0"/>
-              <a:t>25+ Years of Database Design</a:t>
-            </a:r>
-          </a:p>
-          <a:p>
-            <a:r>
-              <a:rPr lang="en-US" dirty="0" smtClean="0"/>
-              <a:t>Over 40 Greenfield Databases in Production</a:t>
-            </a:r>
-          </a:p>
-          <a:p>
-            <a:r>
-              <a:rPr lang="en-US" dirty="0" smtClean="0"/>
-              <a:t>Over 60 Databases Modified</a:t>
-            </a:r>
-            <a:endParaRPr lang="en-US" dirty="0"/>
-          </a:p>
-          <a:p>
-            <a:r>
-              <a:rPr lang="en-US" dirty="0" smtClean="0"/>
-              <a:t>More than 1,000 tables designed</a:t>
-            </a:r>
-          </a:p>
-          <a:p>
-            <a:r>
-              <a:rPr lang="en-US" dirty="0" smtClean="0"/>
-              <a:t>Over 250,000,000 rows of data managed</a:t>
-            </a:r>
-            <a:endParaRPr lang="en-US" dirty="0"/>
-          </a:p>
-        </p:txBody>
-      </p:sp>
-    </p:spTree>
-    <p:extLst>
-      <p:ext uri="{BB962C8B-B14F-4D97-AF65-F5344CB8AC3E}">
-        <p14:creationId xmlns:p14="http://schemas.microsoft.com/office/powerpoint/2010/main" val="146278201"/>
-      </p:ext>
-    </p:extLst>
-  </p:cSld>
-  <p:clrMapOvr>
-    <a:masterClrMapping/>
-  </p:clrMapOvr>
-  <p:timing>
-    <p:tnLst>
-      <p:par>
-        <p:cTn id="1" dur="indefinite" restart="never" nodeType="tmRoot"/>
-      </p:par>
-    </p:tnLst>
-  </p:timing>
-</p:sld>
-</file>
-
-<file path=ppt/slides/slide20.xml><?xml version="1.0" encoding="utf-8"?>
-<p:sld xmlns:a="http://schemas.openxmlformats.org/drawingml/2006/main" xmlns:r="http://schemas.openxmlformats.org/officeDocument/2006/relationships" xmlns:p="http://schemas.openxmlformats.org/presentationml/2006/main">
-  <p:cSld>
-    <p:spTree>
-      <p:nvGrpSpPr>
-        <p:cNvPr id="1" name=""/>
-        <p:cNvGrpSpPr/>
-        <p:nvPr/>
-      </p:nvGrpSpPr>
-      <p:grpSpPr>
-        <a:xfrm>
-          <a:off x="0" y="0"/>
-          <a:ext cx="0" cy="0"/>
-          <a:chOff x="0" y="0"/>
-          <a:chExt cx="0" cy="0"/>
-        </a:xfrm>
-      </p:grpSpPr>
-      <p:sp>
-        <p:nvSpPr>
-          <p:cNvPr id="2" name="Title 1"/>
-          <p:cNvSpPr>
-            <a:spLocks noGrp="1"/>
-          </p:cNvSpPr>
-          <p:nvPr>
-            <p:ph type="title"/>
-          </p:nvPr>
-        </p:nvSpPr>
-        <p:spPr/>
-        <p:txBody>
-          <a:bodyPr/>
-          <a:lstStyle/>
-          <a:p>
-            <a:r>
-              <a:rPr lang="en-US" dirty="0" smtClean="0"/>
-              <a:t>Going to Relational – </a:t>
-            </a:r>
-            <a:r>
-              <a:rPr lang="en-US" dirty="0" smtClean="0"/>
-              <a:t>Source</a:t>
+              <a:t>Going to Relational – Source</a:t>
             </a:r>
             <a:endParaRPr lang="en-US" dirty="0"/>
           </a:p>
@@ -4749,7 +5284,512 @@
     </p:spTree>
     <p:extLst>
       <p:ext uri="{BB962C8B-B14F-4D97-AF65-F5344CB8AC3E}">
-        <p14:creationId xmlns:p14="http://schemas.microsoft.com/office/powerpoint/2010/main" val="3631088328"/>
+        <p14:creationId xmlns:p14="http://schemas.microsoft.com/office/powerpoint/2010/main" val="3513944849"/>
+      </p:ext>
+    </p:extLst>
+  </p:cSld>
+  <p:clrMapOvr>
+    <a:masterClrMapping/>
+  </p:clrMapOvr>
+  <p:timing>
+    <p:tnLst>
+      <p:par>
+        <p:cTn id="1" dur="indefinite" restart="never" nodeType="tmRoot"/>
+      </p:par>
+    </p:tnLst>
+  </p:timing>
+</p:sld>
+</file>
+
+<file path=ppt/slides/slide2.xml><?xml version="1.0" encoding="utf-8"?>
+<p:sld xmlns:a="http://schemas.openxmlformats.org/drawingml/2006/main" xmlns:r="http://schemas.openxmlformats.org/officeDocument/2006/relationships" xmlns:p="http://schemas.openxmlformats.org/presentationml/2006/main">
+  <p:cSld>
+    <p:spTree>
+      <p:nvGrpSpPr>
+        <p:cNvPr id="1" name=""/>
+        <p:cNvGrpSpPr/>
+        <p:nvPr/>
+      </p:nvGrpSpPr>
+      <p:grpSpPr>
+        <a:xfrm>
+          <a:off x="0" y="0"/>
+          <a:ext cx="0" cy="0"/>
+          <a:chOff x="0" y="0"/>
+          <a:chExt cx="0" cy="0"/>
+        </a:xfrm>
+      </p:grpSpPr>
+      <p:pic>
+        <p:nvPicPr>
+          <p:cNvPr id="5" name="Picture 4"/>
+          <p:cNvPicPr>
+            <a:picLocks/>
+          </p:cNvPicPr>
+          <p:nvPr/>
+        </p:nvPicPr>
+        <p:blipFill>
+          <a:blip r:embed="rId2">
+            <a:extLst>
+              <a:ext uri="{28A0092B-C50C-407E-A947-70E740481C1C}">
+                <a14:useLocalDpi xmlns:a14="http://schemas.microsoft.com/office/drawing/2010/main" val="0"/>
+              </a:ext>
+            </a:extLst>
+          </a:blip>
+          <a:stretch>
+            <a:fillRect/>
+          </a:stretch>
+        </p:blipFill>
+        <p:spPr>
+          <a:xfrm>
+            <a:off x="0" y="0"/>
+            <a:ext cx="12192000" cy="6858001"/>
+          </a:xfrm>
+          <a:prstGeom prst="rect">
+            <a:avLst/>
+          </a:prstGeom>
+        </p:spPr>
+      </p:pic>
+      <p:sp>
+        <p:nvSpPr>
+          <p:cNvPr id="3" name="Content Placeholder 2"/>
+          <p:cNvSpPr>
+            <a:spLocks noGrp="1"/>
+          </p:cNvSpPr>
+          <p:nvPr>
+            <p:ph idx="1"/>
+          </p:nvPr>
+        </p:nvSpPr>
+        <p:spPr/>
+        <p:txBody>
+          <a:bodyPr/>
+          <a:lstStyle/>
+          <a:p>
+            <a:r>
+              <a:rPr lang="en-US" dirty="0" smtClean="0">
+                <a:solidFill>
+                  <a:schemeClr val="bg1">
+                    <a:lumMod val="85000"/>
+                  </a:schemeClr>
+                </a:solidFill>
+                <a:effectLst>
+                  <a:outerShdw blurRad="38100" dist="38100" dir="2700000" algn="tl">
+                    <a:srgbClr val="000000">
+                      <a:alpha val="43137"/>
+                    </a:srgbClr>
+                  </a:outerShdw>
+                </a:effectLst>
+              </a:rPr>
+              <a:t>President of VDS since 1990</a:t>
+            </a:r>
+          </a:p>
+          <a:p>
+            <a:r>
+              <a:rPr lang="en-US" dirty="0" smtClean="0">
+                <a:solidFill>
+                  <a:schemeClr val="bg1">
+                    <a:lumMod val="85000"/>
+                  </a:schemeClr>
+                </a:solidFill>
+                <a:effectLst>
+                  <a:outerShdw blurRad="38100" dist="38100" dir="2700000" algn="tl">
+                    <a:srgbClr val="000000">
+                      <a:alpha val="43137"/>
+                    </a:srgbClr>
+                  </a:outerShdw>
+                </a:effectLst>
+              </a:rPr>
+              <a:t>Architect, Db Designer, Developer</a:t>
+            </a:r>
+          </a:p>
+          <a:p>
+            <a:r>
+              <a:rPr lang="en-US" dirty="0" smtClean="0">
+                <a:solidFill>
+                  <a:schemeClr val="bg1">
+                    <a:lumMod val="85000"/>
+                  </a:schemeClr>
+                </a:solidFill>
+                <a:effectLst>
+                  <a:outerShdw blurRad="38100" dist="38100" dir="2700000" algn="tl">
+                    <a:srgbClr val="000000">
+                      <a:alpha val="43137"/>
+                    </a:srgbClr>
+                  </a:outerShdw>
+                </a:effectLst>
+              </a:rPr>
+              <a:t>25+ Years of Database Design</a:t>
+            </a:r>
+          </a:p>
+          <a:p>
+            <a:r>
+              <a:rPr lang="en-US" dirty="0" smtClean="0">
+                <a:solidFill>
+                  <a:schemeClr val="bg1">
+                    <a:lumMod val="85000"/>
+                  </a:schemeClr>
+                </a:solidFill>
+                <a:effectLst>
+                  <a:outerShdw blurRad="38100" dist="38100" dir="2700000" algn="tl">
+                    <a:srgbClr val="000000">
+                      <a:alpha val="43137"/>
+                    </a:srgbClr>
+                  </a:outerShdw>
+                </a:effectLst>
+              </a:rPr>
+              <a:t>Over 40 Greenfield Databases in Production</a:t>
+            </a:r>
+          </a:p>
+          <a:p>
+            <a:r>
+              <a:rPr lang="en-US" dirty="0" smtClean="0">
+                <a:solidFill>
+                  <a:schemeClr val="bg1">
+                    <a:lumMod val="85000"/>
+                  </a:schemeClr>
+                </a:solidFill>
+                <a:effectLst>
+                  <a:outerShdw blurRad="38100" dist="38100" dir="2700000" algn="tl">
+                    <a:srgbClr val="000000">
+                      <a:alpha val="43137"/>
+                    </a:srgbClr>
+                  </a:outerShdw>
+                </a:effectLst>
+              </a:rPr>
+              <a:t>Over 60 Databases Modified</a:t>
+            </a:r>
+            <a:endParaRPr lang="en-US" dirty="0">
+              <a:solidFill>
+                <a:schemeClr val="bg1">
+                  <a:lumMod val="85000"/>
+                </a:schemeClr>
+              </a:solidFill>
+              <a:effectLst>
+                <a:outerShdw blurRad="38100" dist="38100" dir="2700000" algn="tl">
+                  <a:srgbClr val="000000">
+                    <a:alpha val="43137"/>
+                  </a:srgbClr>
+                </a:outerShdw>
+              </a:effectLst>
+            </a:endParaRPr>
+          </a:p>
+          <a:p>
+            <a:r>
+              <a:rPr lang="en-US" dirty="0" smtClean="0">
+                <a:solidFill>
+                  <a:schemeClr val="bg1">
+                    <a:lumMod val="85000"/>
+                  </a:schemeClr>
+                </a:solidFill>
+                <a:effectLst>
+                  <a:outerShdw blurRad="38100" dist="38100" dir="2700000" algn="tl">
+                    <a:srgbClr val="000000">
+                      <a:alpha val="43137"/>
+                    </a:srgbClr>
+                  </a:outerShdw>
+                </a:effectLst>
+              </a:rPr>
+              <a:t>More than 1,000 tables designed</a:t>
+            </a:r>
+          </a:p>
+          <a:p>
+            <a:r>
+              <a:rPr lang="en-US" dirty="0" smtClean="0">
+                <a:solidFill>
+                  <a:schemeClr val="bg1">
+                    <a:lumMod val="85000"/>
+                  </a:schemeClr>
+                </a:solidFill>
+                <a:effectLst>
+                  <a:outerShdw blurRad="38100" dist="38100" dir="2700000" algn="tl">
+                    <a:srgbClr val="000000">
+                      <a:alpha val="43137"/>
+                    </a:srgbClr>
+                  </a:outerShdw>
+                </a:effectLst>
+              </a:rPr>
+              <a:t>Over 250,000,000 rows of data managed</a:t>
+            </a:r>
+            <a:endParaRPr lang="en-US" dirty="0">
+              <a:solidFill>
+                <a:schemeClr val="bg1">
+                  <a:lumMod val="85000"/>
+                </a:schemeClr>
+              </a:solidFill>
+              <a:effectLst>
+                <a:outerShdw blurRad="38100" dist="38100" dir="2700000" algn="tl">
+                  <a:srgbClr val="000000">
+                    <a:alpha val="43137"/>
+                  </a:srgbClr>
+                </a:outerShdw>
+              </a:effectLst>
+            </a:endParaRPr>
+          </a:p>
+        </p:txBody>
+      </p:sp>
+      <p:sp>
+        <p:nvSpPr>
+          <p:cNvPr id="2" name="Title 1"/>
+          <p:cNvSpPr>
+            <a:spLocks noGrp="1"/>
+          </p:cNvSpPr>
+          <p:nvPr>
+            <p:ph type="title"/>
+          </p:nvPr>
+        </p:nvSpPr>
+        <p:spPr/>
+        <p:txBody>
+          <a:bodyPr/>
+          <a:lstStyle/>
+          <a:p>
+            <a:r>
+              <a:rPr lang="en-US" dirty="0" smtClean="0">
+                <a:solidFill>
+                  <a:schemeClr val="bg1">
+                    <a:lumMod val="85000"/>
+                  </a:schemeClr>
+                </a:solidFill>
+                <a:effectLst>
+                  <a:outerShdw blurRad="38100" dist="38100" dir="2700000" algn="tl">
+                    <a:srgbClr val="000000">
+                      <a:alpha val="43137"/>
+                    </a:srgbClr>
+                  </a:outerShdw>
+                </a:effectLst>
+              </a:rPr>
+              <a:t>About Me</a:t>
+            </a:r>
+            <a:endParaRPr lang="en-US" dirty="0">
+              <a:solidFill>
+                <a:schemeClr val="bg1">
+                  <a:lumMod val="85000"/>
+                </a:schemeClr>
+              </a:solidFill>
+              <a:effectLst>
+                <a:outerShdw blurRad="38100" dist="38100" dir="2700000" algn="tl">
+                  <a:srgbClr val="000000">
+                    <a:alpha val="43137"/>
+                  </a:srgbClr>
+                </a:outerShdw>
+              </a:effectLst>
+            </a:endParaRPr>
+          </a:p>
+        </p:txBody>
+      </p:sp>
+    </p:spTree>
+    <p:extLst>
+      <p:ext uri="{BB962C8B-B14F-4D97-AF65-F5344CB8AC3E}">
+        <p14:creationId xmlns:p14="http://schemas.microsoft.com/office/powerpoint/2010/main" val="146278201"/>
+      </p:ext>
+    </p:extLst>
+  </p:cSld>
+  <p:clrMapOvr>
+    <a:masterClrMapping/>
+  </p:clrMapOvr>
+  <p:timing>
+    <p:tnLst>
+      <p:par>
+        <p:cTn id="1" dur="indefinite" restart="never" nodeType="tmRoot"/>
+      </p:par>
+    </p:tnLst>
+  </p:timing>
+</p:sld>
+</file>
+
+<file path=ppt/slides/slide20.xml><?xml version="1.0" encoding="utf-8"?>
+<p:sld xmlns:a="http://schemas.openxmlformats.org/drawingml/2006/main" xmlns:r="http://schemas.openxmlformats.org/officeDocument/2006/relationships" xmlns:p="http://schemas.openxmlformats.org/presentationml/2006/main">
+  <p:cSld>
+    <p:spTree>
+      <p:nvGrpSpPr>
+        <p:cNvPr id="1" name=""/>
+        <p:cNvGrpSpPr/>
+        <p:nvPr/>
+      </p:nvGrpSpPr>
+      <p:grpSpPr>
+        <a:xfrm>
+          <a:off x="0" y="0"/>
+          <a:ext cx="0" cy="0"/>
+          <a:chOff x="0" y="0"/>
+          <a:chExt cx="0" cy="0"/>
+        </a:xfrm>
+      </p:grpSpPr>
+      <p:pic>
+        <p:nvPicPr>
+          <p:cNvPr id="3" name="Picture 2"/>
+          <p:cNvPicPr>
+            <a:picLocks noChangeAspect="1"/>
+          </p:cNvPicPr>
+          <p:nvPr/>
+        </p:nvPicPr>
+        <p:blipFill>
+          <a:blip r:embed="rId2">
+            <a:extLst>
+              <a:ext uri="{28A0092B-C50C-407E-A947-70E740481C1C}">
+                <a14:useLocalDpi xmlns:a14="http://schemas.microsoft.com/office/drawing/2010/main" val="0"/>
+              </a:ext>
+            </a:extLst>
+          </a:blip>
+          <a:stretch>
+            <a:fillRect/>
+          </a:stretch>
+        </p:blipFill>
+        <p:spPr>
+          <a:xfrm>
+            <a:off x="564224" y="0"/>
+            <a:ext cx="4572000" cy="6858000"/>
+          </a:xfrm>
+          <a:prstGeom prst="rect">
+            <a:avLst/>
+          </a:prstGeom>
+        </p:spPr>
+      </p:pic>
+      <p:sp>
+        <p:nvSpPr>
+          <p:cNvPr id="2" name="Title 1"/>
+          <p:cNvSpPr>
+            <a:spLocks noGrp="1"/>
+          </p:cNvSpPr>
+          <p:nvPr>
+            <p:ph type="title"/>
+          </p:nvPr>
+        </p:nvSpPr>
+        <p:spPr/>
+        <p:txBody>
+          <a:bodyPr/>
+          <a:lstStyle/>
+          <a:p>
+            <a:r>
+              <a:rPr lang="en-US" dirty="0" smtClean="0">
+                <a:solidFill>
+                  <a:schemeClr val="bg1">
+                    <a:lumMod val="95000"/>
+                  </a:schemeClr>
+                </a:solidFill>
+                <a:effectLst>
+                  <a:outerShdw blurRad="38100" dist="38100" dir="2700000" algn="tl">
+                    <a:srgbClr val="000000">
+                      <a:alpha val="43137"/>
+                    </a:srgbClr>
+                  </a:outerShdw>
+                </a:effectLst>
+              </a:rPr>
+              <a:t>Break them </a:t>
+            </a:r>
+            <a:r>
+              <a:rPr lang="en-US" dirty="0" smtClean="0">
+                <a:solidFill>
+                  <a:schemeClr val="bg1">
+                    <a:lumMod val="95000"/>
+                  </a:schemeClr>
+                </a:solidFill>
+                <a:effectLst>
+                  <a:outerShdw blurRad="38100" dist="38100" dir="2700000" algn="tl">
+                    <a:srgbClr val="000000">
+                      <a:alpha val="43137"/>
+                    </a:srgbClr>
+                  </a:outerShdw>
+                </a:effectLst>
+              </a:rPr>
+              <a:t/>
+            </a:r>
+            <a:br>
+              <a:rPr lang="en-US" dirty="0" smtClean="0">
+                <a:solidFill>
+                  <a:schemeClr val="bg1">
+                    <a:lumMod val="95000"/>
+                  </a:schemeClr>
+                </a:solidFill>
+                <a:effectLst>
+                  <a:outerShdw blurRad="38100" dist="38100" dir="2700000" algn="tl">
+                    <a:srgbClr val="000000">
+                      <a:alpha val="43137"/>
+                    </a:srgbClr>
+                  </a:outerShdw>
+                </a:effectLst>
+              </a:rPr>
+            </a:br>
+            <a:r>
+              <a:rPr lang="en-US" dirty="0" smtClean="0">
+                <a:solidFill>
+                  <a:schemeClr val="bg1">
+                    <a:lumMod val="95000"/>
+                  </a:schemeClr>
+                </a:solidFill>
+                <a:effectLst>
+                  <a:outerShdw blurRad="38100" dist="38100" dir="2700000" algn="tl">
+                    <a:srgbClr val="000000">
+                      <a:alpha val="43137"/>
+                    </a:srgbClr>
+                  </a:outerShdw>
+                </a:effectLst>
+              </a:rPr>
+              <a:t>Loose</a:t>
+            </a:r>
+            <a:r>
+              <a:rPr lang="en-US" dirty="0" smtClean="0">
+                <a:solidFill>
+                  <a:schemeClr val="bg1">
+                    <a:lumMod val="95000"/>
+                  </a:schemeClr>
+                </a:solidFill>
+                <a:effectLst>
+                  <a:outerShdw blurRad="38100" dist="38100" dir="2700000" algn="tl">
+                    <a:srgbClr val="000000">
+                      <a:alpha val="43137"/>
+                    </a:srgbClr>
+                  </a:outerShdw>
+                </a:effectLst>
+              </a:rPr>
+              <a:t>!</a:t>
+            </a:r>
+            <a:endParaRPr lang="en-US" dirty="0">
+              <a:solidFill>
+                <a:schemeClr val="bg1">
+                  <a:lumMod val="95000"/>
+                </a:schemeClr>
+              </a:solidFill>
+              <a:effectLst>
+                <a:outerShdw blurRad="38100" dist="38100" dir="2700000" algn="tl">
+                  <a:srgbClr val="000000">
+                    <a:alpha val="43137"/>
+                  </a:srgbClr>
+                </a:outerShdw>
+              </a:effectLst>
+            </a:endParaRPr>
+          </a:p>
+        </p:txBody>
+      </p:sp>
+      <p:pic>
+        <p:nvPicPr>
+          <p:cNvPr id="4" name="Content Placeholder 3"/>
+          <p:cNvPicPr>
+            <a:picLocks noGrp="1" noChangeAspect="1"/>
+          </p:cNvPicPr>
+          <p:nvPr>
+            <p:ph idx="1"/>
+          </p:nvPr>
+        </p:nvPicPr>
+        <p:blipFill>
+          <a:blip r:embed="rId3" cstate="print">
+            <a:extLst>
+              <a:ext uri="{28A0092B-C50C-407E-A947-70E740481C1C}">
+                <a14:useLocalDpi xmlns:a14="http://schemas.microsoft.com/office/drawing/2010/main" val="0"/>
+              </a:ext>
+            </a:extLst>
+          </a:blip>
+          <a:stretch>
+            <a:fillRect/>
+          </a:stretch>
+        </p:blipFill>
+        <p:spPr>
+          <a:xfrm>
+            <a:off x="5186693" y="20167"/>
+            <a:ext cx="6504008" cy="6820600"/>
+          </a:xfrm>
+        </p:spPr>
+      </p:pic>
+    </p:spTree>
+    <p:extLst>
+      <p:ext uri="{BB962C8B-B14F-4D97-AF65-F5344CB8AC3E}">
+        <p14:creationId xmlns:p14="http://schemas.microsoft.com/office/powerpoint/2010/main" val="61091673"/>
       </p:ext>
     </p:extLst>
   </p:cSld>
@@ -4783,6 +5823,36 @@
           <a:chExt cx="0" cy="0"/>
         </a:xfrm>
       </p:grpSpPr>
+      <p:pic>
+        <p:nvPicPr>
+          <p:cNvPr id="4" name="Picture 3"/>
+          <p:cNvPicPr preferRelativeResize="0">
+            <a:picLocks/>
+          </p:cNvPicPr>
+          <p:nvPr/>
+        </p:nvPicPr>
+        <p:blipFill>
+          <a:blip r:embed="rId2">
+            <a:extLst>
+              <a:ext uri="{28A0092B-C50C-407E-A947-70E740481C1C}">
+                <a14:useLocalDpi xmlns:a14="http://schemas.microsoft.com/office/drawing/2010/main" val="0"/>
+              </a:ext>
+            </a:extLst>
+          </a:blip>
+          <a:stretch>
+            <a:fillRect/>
+          </a:stretch>
+        </p:blipFill>
+        <p:spPr>
+          <a:xfrm>
+            <a:off x="0" y="0"/>
+            <a:ext cx="12192000" cy="6858000"/>
+          </a:xfrm>
+          <a:prstGeom prst="rect">
+            <a:avLst/>
+          </a:prstGeom>
+        </p:spPr>
+      </p:pic>
       <p:sp>
         <p:nvSpPr>
           <p:cNvPr id="2" name="Title 1"/>
@@ -4799,10 +5869,36 @@
           <a:lstStyle/>
           <a:p>
             <a:r>
-              <a:rPr lang="en-US" dirty="0" smtClean="0"/>
-              <a:t>Questions?</a:t>
-            </a:r>
-            <a:endParaRPr lang="en-US" dirty="0"/>
+              <a:rPr lang="en-US" dirty="0" smtClean="0">
+                <a:solidFill>
+                  <a:schemeClr val="bg1">
+                    <a:lumMod val="95000"/>
+                  </a:schemeClr>
+                </a:solidFill>
+                <a:effectLst>
+                  <a:outerShdw blurRad="38100" dist="38100" dir="2700000" algn="tl">
+                    <a:srgbClr val="000000">
+                      <a:alpha val="43137"/>
+                    </a:srgbClr>
+                  </a:outerShdw>
+                </a:effectLst>
+              </a:rPr>
+              <a:t>Avoiding Pitfalls</a:t>
+            </a:r>
+            <a:endParaRPr lang="en-US" dirty="0">
+              <a:solidFill>
+                <a:schemeClr val="bg1">
+                  <a:lumMod val="95000"/>
+                </a:schemeClr>
+              </a:solidFill>
+              <a:effectLst>
+                <a:outerShdw blurRad="38100" dist="38100" dir="2700000" algn="tl">
+                  <a:srgbClr val="000000">
+                    <a:alpha val="43137"/>
+                  </a:srgbClr>
+                </a:outerShdw>
+              </a:effectLst>
+            </a:endParaRPr>
           </a:p>
         </p:txBody>
       </p:sp>
@@ -4822,41 +5918,191 @@
           <a:lstStyle/>
           <a:p>
             <a:r>
-              <a:rPr lang="en-US" dirty="0" smtClean="0"/>
-              <a:t>Ask me, I dare you…</a:t>
-            </a:r>
-          </a:p>
-          <a:p>
-            <a:r>
-              <a:rPr lang="en-US" dirty="0" smtClean="0"/>
-              <a:t>OR</a:t>
-            </a:r>
-          </a:p>
-          <a:p>
-            <a:r>
-              <a:rPr lang="en-US" dirty="0" smtClean="0"/>
-              <a:t>Sorry, I’m out of time </a:t>
-            </a:r>
-            <a:r>
-              <a:rPr lang="en-US" dirty="0" smtClean="0">
-                <a:sym typeface="Wingdings" panose="05000000000000000000" pitchFamily="2" charset="2"/>
-              </a:rPr>
-              <a:t></a:t>
-            </a:r>
-            <a:endParaRPr lang="en-US" dirty="0"/>
+              <a:rPr lang="en-US" dirty="0" smtClean="0">
+                <a:solidFill>
+                  <a:schemeClr val="bg1">
+                    <a:lumMod val="95000"/>
+                  </a:schemeClr>
+                </a:solidFill>
+                <a:effectLst>
+                  <a:outerShdw blurRad="38100" dist="38100" dir="2700000" algn="tl">
+                    <a:srgbClr val="000000">
+                      <a:alpha val="43137"/>
+                    </a:srgbClr>
+                  </a:outerShdw>
+                </a:effectLst>
+              </a:rPr>
+              <a:t>What is a Number?</a:t>
+            </a:r>
+          </a:p>
+          <a:p>
+            <a:r>
+              <a:rPr lang="en-US" dirty="0" smtClean="0">
+                <a:solidFill>
+                  <a:schemeClr val="bg1">
+                    <a:lumMod val="95000"/>
+                  </a:schemeClr>
+                </a:solidFill>
+                <a:effectLst>
+                  <a:outerShdw blurRad="38100" dist="38100" dir="2700000" algn="tl">
+                    <a:srgbClr val="000000">
+                      <a:alpha val="43137"/>
+                    </a:srgbClr>
+                  </a:outerShdw>
+                </a:effectLst>
+              </a:rPr>
+              <a:t>Size Matters</a:t>
+            </a:r>
+          </a:p>
+          <a:p>
+            <a:r>
+              <a:rPr lang="en-US" dirty="0" smtClean="0">
+                <a:solidFill>
+                  <a:schemeClr val="bg1">
+                    <a:lumMod val="95000"/>
+                  </a:schemeClr>
+                </a:solidFill>
+                <a:effectLst>
+                  <a:outerShdw blurRad="38100" dist="38100" dir="2700000" algn="tl">
+                    <a:srgbClr val="000000">
+                      <a:alpha val="43137"/>
+                    </a:srgbClr>
+                  </a:outerShdw>
+                </a:effectLst>
+              </a:rPr>
+              <a:t>Matters of Precision</a:t>
+            </a:r>
+          </a:p>
+          <a:p>
+            <a:r>
+              <a:rPr lang="en-US" dirty="0" smtClean="0">
+                <a:solidFill>
+                  <a:schemeClr val="bg1">
+                    <a:lumMod val="95000"/>
+                  </a:schemeClr>
+                </a:solidFill>
+                <a:effectLst>
+                  <a:outerShdw blurRad="38100" dist="38100" dir="2700000" algn="tl">
+                    <a:srgbClr val="000000">
+                      <a:alpha val="43137"/>
+                    </a:srgbClr>
+                  </a:outerShdw>
+                </a:effectLst>
+              </a:rPr>
+              <a:t>Match key types</a:t>
+            </a:r>
+          </a:p>
+          <a:p>
+            <a:r>
+              <a:rPr lang="en-US" dirty="0" smtClean="0">
+                <a:solidFill>
+                  <a:schemeClr val="bg1">
+                    <a:lumMod val="95000"/>
+                  </a:schemeClr>
+                </a:solidFill>
+                <a:effectLst>
+                  <a:outerShdw blurRad="38100" dist="38100" dir="2700000" algn="tl">
+                    <a:srgbClr val="000000">
+                      <a:alpha val="43137"/>
+                    </a:srgbClr>
+                  </a:outerShdw>
+                </a:effectLst>
+              </a:rPr>
+              <a:t>The missing date field</a:t>
+            </a:r>
+          </a:p>
+          <a:p>
+            <a:endParaRPr lang="en-US" dirty="0" smtClean="0">
+              <a:solidFill>
+                <a:schemeClr val="bg1">
+                  <a:lumMod val="95000"/>
+                </a:schemeClr>
+              </a:solidFill>
+              <a:effectLst>
+                <a:outerShdw blurRad="38100" dist="38100" dir="2700000" algn="tl">
+                  <a:srgbClr val="000000">
+                    <a:alpha val="43137"/>
+                  </a:srgbClr>
+                </a:outerShdw>
+              </a:effectLst>
+            </a:endParaRPr>
+          </a:p>
+          <a:p>
+            <a:r>
+              <a:rPr lang="en-US" dirty="0" smtClean="0">
+                <a:solidFill>
+                  <a:schemeClr val="bg1">
+                    <a:lumMod val="95000"/>
+                  </a:schemeClr>
+                </a:solidFill>
+                <a:effectLst>
+                  <a:outerShdw blurRad="38100" dist="38100" dir="2700000" algn="tl">
+                    <a:srgbClr val="000000">
+                      <a:alpha val="43137"/>
+                    </a:srgbClr>
+                  </a:outerShdw>
+                </a:effectLst>
+              </a:rPr>
+              <a:t>Always have an Alternate</a:t>
+            </a:r>
+          </a:p>
+          <a:p>
+            <a:r>
+              <a:rPr lang="en-US" dirty="0" smtClean="0">
+                <a:solidFill>
+                  <a:schemeClr val="bg1">
+                    <a:lumMod val="95000"/>
+                  </a:schemeClr>
+                </a:solidFill>
+                <a:effectLst>
+                  <a:outerShdw blurRad="38100" dist="38100" dir="2700000" algn="tl">
+                    <a:srgbClr val="000000">
+                      <a:alpha val="43137"/>
+                    </a:srgbClr>
+                  </a:outerShdw>
+                </a:effectLst>
+              </a:rPr>
+              <a:t>Foreign Keys &amp; Indexes</a:t>
+            </a:r>
+          </a:p>
+          <a:p>
+            <a:pPr marL="0" indent="0">
+              <a:buNone/>
+            </a:pPr>
+            <a:endParaRPr lang="en-US" dirty="0">
+              <a:solidFill>
+                <a:schemeClr val="bg1">
+                  <a:lumMod val="95000"/>
+                </a:schemeClr>
+              </a:solidFill>
+              <a:effectLst>
+                <a:outerShdw blurRad="38100" dist="38100" dir="2700000" algn="tl">
+                  <a:srgbClr val="000000">
+                    <a:alpha val="43137"/>
+                  </a:srgbClr>
+                </a:outerShdw>
+              </a:effectLst>
+            </a:endParaRPr>
           </a:p>
         </p:txBody>
       </p:sp>
     </p:spTree>
     <p:extLst>
       <p:ext uri="{BB962C8B-B14F-4D97-AF65-F5344CB8AC3E}">
-        <p14:creationId xmlns:p14="http://schemas.microsoft.com/office/powerpoint/2010/main" val="855320931"/>
+        <p14:creationId xmlns:p14="http://schemas.microsoft.com/office/powerpoint/2010/main" val="843336398"/>
       </p:ext>
     </p:extLst>
   </p:cSld>
   <p:clrMapOvr>
     <a:masterClrMapping/>
   </p:clrMapOvr>
+  <p:timing>
+    <p:tnLst>
+      <p:par>
+        <p:cTn id="1" dur="indefinite" restart="never" nodeType="tmRoot"/>
+      </p:par>
+    </p:tnLst>
+  </p:timing>
 </p:sld>
 </file>
 
@@ -4877,6 +6123,36 @@
           <a:chExt cx="0" cy="0"/>
         </a:xfrm>
       </p:grpSpPr>
+      <p:pic>
+        <p:nvPicPr>
+          <p:cNvPr id="4" name="Picture 3"/>
+          <p:cNvPicPr preferRelativeResize="0">
+            <a:picLocks/>
+          </p:cNvPicPr>
+          <p:nvPr/>
+        </p:nvPicPr>
+        <p:blipFill>
+          <a:blip r:embed="rId2">
+            <a:extLst>
+              <a:ext uri="{28A0092B-C50C-407E-A947-70E740481C1C}">
+                <a14:useLocalDpi xmlns:a14="http://schemas.microsoft.com/office/drawing/2010/main" val="0"/>
+              </a:ext>
+            </a:extLst>
+          </a:blip>
+          <a:stretch>
+            <a:fillRect/>
+          </a:stretch>
+        </p:blipFill>
+        <p:spPr>
+          <a:xfrm>
+            <a:off x="0" y="0"/>
+            <a:ext cx="12192000" cy="6858000"/>
+          </a:xfrm>
+          <a:prstGeom prst="rect">
+            <a:avLst/>
+          </a:prstGeom>
+        </p:spPr>
+      </p:pic>
       <p:sp>
         <p:nvSpPr>
           <p:cNvPr id="2" name="Title 1"/>
@@ -4893,10 +6169,36 @@
           <a:lstStyle/>
           <a:p>
             <a:r>
-              <a:rPr lang="en-US" dirty="0" smtClean="0"/>
+              <a:rPr lang="en-US" dirty="0" smtClean="0">
+                <a:solidFill>
+                  <a:schemeClr val="bg1">
+                    <a:lumMod val="95000"/>
+                  </a:schemeClr>
+                </a:solidFill>
+                <a:effectLst>
+                  <a:outerShdw blurRad="38100" dist="38100" dir="2700000" algn="tl">
+                    <a:srgbClr val="000000">
+                      <a:alpha val="43137"/>
+                    </a:srgbClr>
+                  </a:outerShdw>
+                </a:effectLst>
+              </a:rPr>
               <a:t>In Conclusion</a:t>
             </a:r>
-            <a:endParaRPr lang="en-US" dirty="0"/>
+            <a:endParaRPr lang="en-US" dirty="0">
+              <a:solidFill>
+                <a:schemeClr val="bg1">
+                  <a:lumMod val="95000"/>
+                </a:schemeClr>
+              </a:solidFill>
+              <a:effectLst>
+                <a:outerShdw blurRad="38100" dist="38100" dir="2700000" algn="tl">
+                  <a:srgbClr val="000000">
+                    <a:alpha val="43137"/>
+                  </a:srgbClr>
+                </a:outerShdw>
+              </a:effectLst>
+            </a:endParaRPr>
           </a:p>
         </p:txBody>
       </p:sp>
@@ -4916,72 +6218,241 @@
           <a:lstStyle/>
           <a:p>
             <a:r>
-              <a:rPr lang="en-US" dirty="0"/>
+              <a:rPr lang="en-US" dirty="0">
+                <a:solidFill>
+                  <a:schemeClr val="bg1">
+                    <a:lumMod val="95000"/>
+                  </a:schemeClr>
+                </a:solidFill>
+                <a:effectLst>
+                  <a:outerShdw blurRad="38100" dist="38100" dir="2700000" algn="tl">
+                    <a:srgbClr val="000000">
+                      <a:alpha val="43137"/>
+                    </a:srgbClr>
+                  </a:outerShdw>
+                </a:effectLst>
+              </a:rPr>
               <a:t>A csv is a “Flat” file</a:t>
             </a:r>
           </a:p>
           <a:p>
             <a:r>
-              <a:rPr lang="en-US" dirty="0" smtClean="0"/>
+              <a:rPr lang="en-US" dirty="0" smtClean="0">
+                <a:solidFill>
+                  <a:schemeClr val="bg1">
+                    <a:lumMod val="95000"/>
+                  </a:schemeClr>
+                </a:solidFill>
+                <a:effectLst>
+                  <a:outerShdw blurRad="38100" dist="38100" dir="2700000" algn="tl">
+                    <a:srgbClr val="000000">
+                      <a:alpha val="43137"/>
+                    </a:srgbClr>
+                  </a:outerShdw>
+                </a:effectLst>
+              </a:rPr>
               <a:t>Big Data can’t stay in </a:t>
             </a:r>
             <a:r>
-              <a:rPr lang="en-US" dirty="0"/>
+              <a:rPr lang="en-US" dirty="0">
+                <a:solidFill>
+                  <a:schemeClr val="bg1">
+                    <a:lumMod val="95000"/>
+                  </a:schemeClr>
+                </a:solidFill>
+                <a:effectLst>
+                  <a:outerShdw blurRad="38100" dist="38100" dir="2700000" algn="tl">
+                    <a:srgbClr val="000000">
+                      <a:alpha val="43137"/>
+                    </a:srgbClr>
+                  </a:outerShdw>
+                </a:effectLst>
+              </a:rPr>
               <a:t>a “Flat” </a:t>
             </a:r>
             <a:r>
-              <a:rPr lang="en-US" dirty="0" smtClean="0"/>
+              <a:rPr lang="en-US" dirty="0" smtClean="0">
+                <a:solidFill>
+                  <a:schemeClr val="bg1">
+                    <a:lumMod val="95000"/>
+                  </a:schemeClr>
+                </a:solidFill>
+                <a:effectLst>
+                  <a:outerShdw blurRad="38100" dist="38100" dir="2700000" algn="tl">
+                    <a:srgbClr val="000000">
+                      <a:alpha val="43137"/>
+                    </a:srgbClr>
+                  </a:outerShdw>
+                </a:effectLst>
+              </a:rPr>
               <a:t>file</a:t>
             </a:r>
           </a:p>
           <a:p>
             <a:r>
-              <a:rPr lang="en-US" dirty="0" smtClean="0"/>
+              <a:rPr lang="en-US" dirty="0" smtClean="0">
+                <a:solidFill>
+                  <a:schemeClr val="bg1">
+                    <a:lumMod val="95000"/>
+                  </a:schemeClr>
+                </a:solidFill>
+                <a:effectLst>
+                  <a:outerShdw blurRad="38100" dist="38100" dir="2700000" algn="tl">
+                    <a:srgbClr val="000000">
+                      <a:alpha val="43137"/>
+                    </a:srgbClr>
+                  </a:outerShdw>
+                </a:effectLst>
+              </a:rPr>
               <a:t>Understanding Tables, Columns &amp; Keys</a:t>
             </a:r>
-            <a:endParaRPr lang="en-US" dirty="0"/>
-          </a:p>
-          <a:p>
-            <a:r>
-              <a:rPr lang="en-US" dirty="0"/>
+            <a:endParaRPr lang="en-US" dirty="0">
+              <a:solidFill>
+                <a:schemeClr val="bg1">
+                  <a:lumMod val="95000"/>
+                </a:schemeClr>
+              </a:solidFill>
+              <a:effectLst>
+                <a:outerShdw blurRad="38100" dist="38100" dir="2700000" algn="tl">
+                  <a:srgbClr val="000000">
+                    <a:alpha val="43137"/>
+                  </a:srgbClr>
+                </a:outerShdw>
+              </a:effectLst>
+            </a:endParaRPr>
+          </a:p>
+          <a:p>
+            <a:r>
+              <a:rPr lang="en-US" dirty="0">
+                <a:solidFill>
+                  <a:schemeClr val="bg1">
+                    <a:lumMod val="95000"/>
+                  </a:schemeClr>
+                </a:solidFill>
+                <a:effectLst>
+                  <a:outerShdw blurRad="38100" dist="38100" dir="2700000" algn="tl">
+                    <a:srgbClr val="000000">
+                      <a:alpha val="43137"/>
+                    </a:srgbClr>
+                  </a:outerShdw>
+                </a:effectLst>
+              </a:rPr>
               <a:t>Going to Relational</a:t>
             </a:r>
           </a:p>
           <a:p>
             <a:pPr lvl="1"/>
             <a:r>
-              <a:rPr lang="en-US" dirty="0"/>
+              <a:rPr lang="en-US" dirty="0">
+                <a:solidFill>
+                  <a:schemeClr val="bg1">
+                    <a:lumMod val="95000"/>
+                  </a:schemeClr>
+                </a:solidFill>
+                <a:effectLst>
+                  <a:outerShdw blurRad="38100" dist="38100" dir="2700000" algn="tl">
+                    <a:srgbClr val="000000">
+                      <a:alpha val="43137"/>
+                    </a:srgbClr>
+                  </a:outerShdw>
+                </a:effectLst>
+              </a:rPr>
               <a:t>What Kind of Data?</a:t>
             </a:r>
           </a:p>
           <a:p>
             <a:pPr lvl="1"/>
             <a:r>
-              <a:rPr lang="en-US" dirty="0"/>
+              <a:rPr lang="en-US" dirty="0">
+                <a:solidFill>
+                  <a:schemeClr val="bg1">
+                    <a:lumMod val="95000"/>
+                  </a:schemeClr>
+                </a:solidFill>
+                <a:effectLst>
+                  <a:outerShdw blurRad="38100" dist="38100" dir="2700000" algn="tl">
+                    <a:srgbClr val="000000">
+                      <a:alpha val="43137"/>
+                    </a:srgbClr>
+                  </a:outerShdw>
+                </a:effectLst>
+              </a:rPr>
               <a:t>What Repeats?</a:t>
             </a:r>
           </a:p>
           <a:p>
             <a:pPr lvl="1"/>
             <a:r>
-              <a:rPr lang="en-US" dirty="0"/>
+              <a:rPr lang="en-US" dirty="0">
+                <a:solidFill>
+                  <a:schemeClr val="bg1">
+                    <a:lumMod val="95000"/>
+                  </a:schemeClr>
+                </a:solidFill>
+                <a:effectLst>
+                  <a:outerShdw blurRad="38100" dist="38100" dir="2700000" algn="tl">
+                    <a:srgbClr val="000000">
+                      <a:alpha val="43137"/>
+                    </a:srgbClr>
+                  </a:outerShdw>
+                </a:effectLst>
+              </a:rPr>
               <a:t>Where should it go?</a:t>
             </a:r>
           </a:p>
           <a:p>
             <a:r>
-              <a:rPr lang="en-US" dirty="0"/>
+              <a:rPr lang="en-US" dirty="0">
+                <a:solidFill>
+                  <a:schemeClr val="bg1">
+                    <a:lumMod val="95000"/>
+                  </a:schemeClr>
+                </a:solidFill>
+                <a:effectLst>
+                  <a:outerShdw blurRad="38100" dist="38100" dir="2700000" algn="tl">
+                    <a:srgbClr val="000000">
+                      <a:alpha val="43137"/>
+                    </a:srgbClr>
+                  </a:outerShdw>
+                </a:effectLst>
+              </a:rPr>
               <a:t>Break them Loose!</a:t>
             </a:r>
           </a:p>
           <a:p>
             <a:r>
-              <a:rPr lang="en-US" dirty="0"/>
+              <a:rPr lang="en-US" dirty="0">
+                <a:solidFill>
+                  <a:schemeClr val="bg1">
+                    <a:lumMod val="95000"/>
+                  </a:schemeClr>
+                </a:solidFill>
+                <a:effectLst>
+                  <a:outerShdw blurRad="38100" dist="38100" dir="2700000" algn="tl">
+                    <a:srgbClr val="000000">
+                      <a:alpha val="43137"/>
+                    </a:srgbClr>
+                  </a:outerShdw>
+                </a:effectLst>
+              </a:rPr>
               <a:t>Avoiding Pitfalls</a:t>
             </a:r>
           </a:p>
           <a:p>
-            <a:endParaRPr lang="en-US" dirty="0"/>
+            <a:endParaRPr lang="en-US" dirty="0">
+              <a:solidFill>
+                <a:schemeClr val="bg1">
+                  <a:lumMod val="95000"/>
+                </a:schemeClr>
+              </a:solidFill>
+              <a:effectLst>
+                <a:outerShdw blurRad="38100" dist="38100" dir="2700000" algn="tl">
+                  <a:srgbClr val="000000">
+                    <a:alpha val="43137"/>
+                  </a:srgbClr>
+                </a:outerShdw>
+              </a:effectLst>
+            </a:endParaRPr>
           </a:p>
         </p:txBody>
       </p:sp>
@@ -4995,6 +6466,13 @@
   <p:clrMapOvr>
     <a:masterClrMapping/>
   </p:clrMapOvr>
+  <p:timing>
+    <p:tnLst>
+      <p:par>
+        <p:cTn id="1" dur="indefinite" restart="never" nodeType="tmRoot"/>
+      </p:par>
+    </p:tnLst>
+  </p:timing>
 </p:sld>
 </file>
 
@@ -5015,6 +6493,36 @@
           <a:chExt cx="0" cy="0"/>
         </a:xfrm>
       </p:grpSpPr>
+      <p:pic>
+        <p:nvPicPr>
+          <p:cNvPr id="4" name="Picture 3"/>
+          <p:cNvPicPr preferRelativeResize="0">
+            <a:picLocks/>
+          </p:cNvPicPr>
+          <p:nvPr/>
+        </p:nvPicPr>
+        <p:blipFill>
+          <a:blip r:embed="rId2">
+            <a:extLst>
+              <a:ext uri="{28A0092B-C50C-407E-A947-70E740481C1C}">
+                <a14:useLocalDpi xmlns:a14="http://schemas.microsoft.com/office/drawing/2010/main" val="0"/>
+              </a:ext>
+            </a:extLst>
+          </a:blip>
+          <a:stretch>
+            <a:fillRect/>
+          </a:stretch>
+        </p:blipFill>
+        <p:spPr>
+          <a:xfrm>
+            <a:off x="0" y="0"/>
+            <a:ext cx="12192000" cy="6858000"/>
+          </a:xfrm>
+          <a:prstGeom prst="rect">
+            <a:avLst/>
+          </a:prstGeom>
+        </p:spPr>
+      </p:pic>
       <p:sp>
         <p:nvSpPr>
           <p:cNvPr id="2" name="Title 1"/>
@@ -5031,6 +6539,197 @@
           <a:lstStyle/>
           <a:p>
             <a:r>
+              <a:rPr lang="en-US" dirty="0" smtClean="0">
+                <a:solidFill>
+                  <a:schemeClr val="bg1">
+                    <a:lumMod val="95000"/>
+                  </a:schemeClr>
+                </a:solidFill>
+                <a:effectLst>
+                  <a:outerShdw blurRad="38100" dist="38100" dir="2700000" algn="tl">
+                    <a:srgbClr val="000000">
+                      <a:alpha val="43137"/>
+                    </a:srgbClr>
+                  </a:outerShdw>
+                </a:effectLst>
+              </a:rPr>
+              <a:t>Questions?</a:t>
+            </a:r>
+            <a:endParaRPr lang="en-US" dirty="0">
+              <a:solidFill>
+                <a:schemeClr val="bg1">
+                  <a:lumMod val="95000"/>
+                </a:schemeClr>
+              </a:solidFill>
+              <a:effectLst>
+                <a:outerShdw blurRad="38100" dist="38100" dir="2700000" algn="tl">
+                  <a:srgbClr val="000000">
+                    <a:alpha val="43137"/>
+                  </a:srgbClr>
+                </a:outerShdw>
+              </a:effectLst>
+            </a:endParaRPr>
+          </a:p>
+        </p:txBody>
+      </p:sp>
+      <p:sp>
+        <p:nvSpPr>
+          <p:cNvPr id="3" name="Content Placeholder 2"/>
+          <p:cNvSpPr>
+            <a:spLocks noGrp="1"/>
+          </p:cNvSpPr>
+          <p:nvPr>
+            <p:ph idx="1"/>
+          </p:nvPr>
+        </p:nvSpPr>
+        <p:spPr/>
+        <p:txBody>
+          <a:bodyPr/>
+          <a:lstStyle/>
+          <a:p>
+            <a:r>
+              <a:rPr lang="en-US" dirty="0" smtClean="0">
+                <a:solidFill>
+                  <a:schemeClr val="bg1">
+                    <a:lumMod val="95000"/>
+                  </a:schemeClr>
+                </a:solidFill>
+                <a:effectLst>
+                  <a:outerShdw blurRad="38100" dist="38100" dir="2700000" algn="tl">
+                    <a:srgbClr val="000000">
+                      <a:alpha val="43137"/>
+                    </a:srgbClr>
+                  </a:outerShdw>
+                </a:effectLst>
+              </a:rPr>
+              <a:t>Ask me, I dare you…</a:t>
+            </a:r>
+          </a:p>
+          <a:p>
+            <a:r>
+              <a:rPr lang="en-US" dirty="0" smtClean="0">
+                <a:solidFill>
+                  <a:schemeClr val="bg1">
+                    <a:lumMod val="95000"/>
+                  </a:schemeClr>
+                </a:solidFill>
+                <a:effectLst>
+                  <a:outerShdw blurRad="38100" dist="38100" dir="2700000" algn="tl">
+                    <a:srgbClr val="000000">
+                      <a:alpha val="43137"/>
+                    </a:srgbClr>
+                  </a:outerShdw>
+                </a:effectLst>
+              </a:rPr>
+              <a:t>OR</a:t>
+            </a:r>
+          </a:p>
+          <a:p>
+            <a:r>
+              <a:rPr lang="en-US" dirty="0" smtClean="0">
+                <a:solidFill>
+                  <a:schemeClr val="bg1">
+                    <a:lumMod val="95000"/>
+                  </a:schemeClr>
+                </a:solidFill>
+                <a:effectLst>
+                  <a:outerShdw blurRad="38100" dist="38100" dir="2700000" algn="tl">
+                    <a:srgbClr val="000000">
+                      <a:alpha val="43137"/>
+                    </a:srgbClr>
+                  </a:outerShdw>
+                </a:effectLst>
+              </a:rPr>
+              <a:t>Sorry, I’m out of time </a:t>
+            </a:r>
+            <a:r>
+              <a:rPr lang="en-US" dirty="0" smtClean="0">
+                <a:solidFill>
+                  <a:schemeClr val="bg1">
+                    <a:lumMod val="95000"/>
+                  </a:schemeClr>
+                </a:solidFill>
+                <a:effectLst>
+                  <a:outerShdw blurRad="38100" dist="38100" dir="2700000" algn="tl">
+                    <a:srgbClr val="000000">
+                      <a:alpha val="43137"/>
+                    </a:srgbClr>
+                  </a:outerShdw>
+                </a:effectLst>
+                <a:sym typeface="Wingdings" panose="05000000000000000000" pitchFamily="2" charset="2"/>
+              </a:rPr>
+              <a:t></a:t>
+            </a:r>
+            <a:endParaRPr lang="en-US" dirty="0">
+              <a:solidFill>
+                <a:schemeClr val="bg1">
+                  <a:lumMod val="95000"/>
+                </a:schemeClr>
+              </a:solidFill>
+              <a:effectLst>
+                <a:outerShdw blurRad="38100" dist="38100" dir="2700000" algn="tl">
+                  <a:srgbClr val="000000">
+                    <a:alpha val="43137"/>
+                  </a:srgbClr>
+                </a:outerShdw>
+              </a:effectLst>
+            </a:endParaRPr>
+          </a:p>
+        </p:txBody>
+      </p:sp>
+    </p:spTree>
+    <p:extLst>
+      <p:ext uri="{BB962C8B-B14F-4D97-AF65-F5344CB8AC3E}">
+        <p14:creationId xmlns:p14="http://schemas.microsoft.com/office/powerpoint/2010/main" val="855320931"/>
+      </p:ext>
+    </p:extLst>
+  </p:cSld>
+  <p:clrMapOvr>
+    <a:masterClrMapping/>
+  </p:clrMapOvr>
+  <p:timing>
+    <p:tnLst>
+      <p:par>
+        <p:cTn id="1" dur="indefinite" restart="never" nodeType="tmRoot"/>
+      </p:par>
+    </p:tnLst>
+  </p:timing>
+</p:sld>
+</file>
+
+<file path=ppt/slides/slide24.xml><?xml version="1.0" encoding="utf-8"?>
+<p:sld xmlns:a="http://schemas.openxmlformats.org/drawingml/2006/main" xmlns:r="http://schemas.openxmlformats.org/officeDocument/2006/relationships" xmlns:p="http://schemas.openxmlformats.org/presentationml/2006/main">
+  <p:cSld>
+    <p:spTree>
+      <p:nvGrpSpPr>
+        <p:cNvPr id="1" name=""/>
+        <p:cNvGrpSpPr/>
+        <p:nvPr/>
+      </p:nvGrpSpPr>
+      <p:grpSpPr>
+        <a:xfrm>
+          <a:off x="0" y="0"/>
+          <a:ext cx="0" cy="0"/>
+          <a:chOff x="0" y="0"/>
+          <a:chExt cx="0" cy="0"/>
+        </a:xfrm>
+      </p:grpSpPr>
+      <p:sp>
+        <p:nvSpPr>
+          <p:cNvPr id="2" name="Title 1"/>
+          <p:cNvSpPr>
+            <a:spLocks noGrp="1"/>
+          </p:cNvSpPr>
+          <p:nvPr>
+            <p:ph type="title"/>
+          </p:nvPr>
+        </p:nvSpPr>
+        <p:spPr/>
+        <p:txBody>
+          <a:bodyPr/>
+          <a:lstStyle/>
+          <a:p>
+            <a:r>
               <a:rPr lang="en-US" dirty="0" smtClean="0"/>
               <a:t>Thank You</a:t>
             </a:r>
@@ -5051,7 +6750,7 @@
         <p:spPr/>
         <p:txBody>
           <a:bodyPr>
-            <a:normAutofit lnSpcReduction="10000"/>
+            <a:normAutofit fontScale="92500" lnSpcReduction="20000"/>
           </a:bodyPr>
           <a:lstStyle/>
           <a:p>
@@ -5092,6 +6791,23 @@
             </a:r>
           </a:p>
           <a:p>
+            <a:pPr lvl="1"/>
+            <a:r>
+              <a:rPr lang="en-US" dirty="0">
+                <a:hlinkClick r:id="rId3"/>
+              </a:rPr>
+              <a:t>https://</a:t>
+            </a:r>
+            <a:r>
+              <a:rPr lang="en-US" dirty="0" smtClean="0">
+                <a:hlinkClick r:id="rId3"/>
+              </a:rPr>
+              <a:t>github.com/VDSFoundry/DbFundamentals</a:t>
+            </a:r>
+            <a:r>
+              <a:rPr lang="en-US" dirty="0" smtClean="0"/>
+              <a:t> </a:t>
+            </a:r>
             <a:endParaRPr lang="en-US" dirty="0"/>
           </a:p>
           <a:p>
@@ -5148,8 +6864,26 @@
             <a:pPr lvl="1"/>
             <a:r>
               <a:rPr lang="en-US" sz="2000" dirty="0" smtClean="0"/>
-              <a:t>Michael J. Hernandez – Database Design for Mere Mortals: A Hands-On Guide to Relational Database Design</a:t>
-            </a:r>
+              <a:t>Michael J. Hernandez – Database Design for Mere Mortals: A Hands-On Guide to Relational Database </a:t>
+            </a:r>
+            <a:r>
+              <a:rPr lang="en-US" sz="2000" dirty="0" smtClean="0"/>
+              <a:t>Design</a:t>
+            </a:r>
+          </a:p>
+          <a:p>
+            <a:r>
+              <a:rPr lang="en-US" dirty="0" smtClean="0"/>
+              <a:t>Images Credit</a:t>
+            </a:r>
+          </a:p>
+          <a:p>
+            <a:pPr lvl="1"/>
+            <a:r>
+              <a:rPr lang="en-US" dirty="0"/>
+              <a:t>http://www.space.com/28857-aurora-photos-northern-lights-2015.html</a:t>
+            </a:r>
+            <a:endParaRPr lang="en-US" dirty="0" smtClean="0"/>
           </a:p>
           <a:p>
             <a:pPr lvl="1"/>
@@ -5167,6 +6901,13 @@
   <p:clrMapOvr>
     <a:masterClrMapping/>
   </p:clrMapOvr>
+  <p:timing>
+    <p:tnLst>
+      <p:par>
+        <p:cTn id="1" dur="indefinite" restart="never" nodeType="tmRoot"/>
+      </p:par>
+    </p:tnLst>
+  </p:timing>
 </p:sld>
 </file>
 
@@ -5187,6 +6928,36 @@
           <a:chExt cx="0" cy="0"/>
         </a:xfrm>
       </p:grpSpPr>
+      <p:pic>
+        <p:nvPicPr>
+          <p:cNvPr id="4" name="Picture 3"/>
+          <p:cNvPicPr preferRelativeResize="0">
+            <a:picLocks/>
+          </p:cNvPicPr>
+          <p:nvPr/>
+        </p:nvPicPr>
+        <p:blipFill>
+          <a:blip r:embed="rId2">
+            <a:extLst>
+              <a:ext uri="{28A0092B-C50C-407E-A947-70E740481C1C}">
+                <a14:useLocalDpi xmlns:a14="http://schemas.microsoft.com/office/drawing/2010/main" val="0"/>
+              </a:ext>
+            </a:extLst>
+          </a:blip>
+          <a:stretch>
+            <a:fillRect/>
+          </a:stretch>
+        </p:blipFill>
+        <p:spPr>
+          <a:xfrm>
+            <a:off x="0" y="0"/>
+            <a:ext cx="12192000" cy="6858000"/>
+          </a:xfrm>
+          <a:prstGeom prst="rect">
+            <a:avLst/>
+          </a:prstGeom>
+        </p:spPr>
+      </p:pic>
       <p:sp>
         <p:nvSpPr>
           <p:cNvPr id="2" name="Title 1"/>
@@ -5203,10 +6974,36 @@
           <a:lstStyle/>
           <a:p>
             <a:r>
-              <a:rPr lang="en-US" dirty="0" smtClean="0"/>
+              <a:rPr lang="en-US" dirty="0" smtClean="0">
+                <a:solidFill>
+                  <a:schemeClr val="bg1">
+                    <a:lumMod val="85000"/>
+                  </a:schemeClr>
+                </a:solidFill>
+                <a:effectLst>
+                  <a:outerShdw blurRad="38100" dist="38100" dir="2700000" algn="tl">
+                    <a:srgbClr val="000000">
+                      <a:alpha val="43137"/>
+                    </a:srgbClr>
+                  </a:outerShdw>
+                </a:effectLst>
+              </a:rPr>
               <a:t>What We Will Not Cover</a:t>
             </a:r>
-            <a:endParaRPr lang="en-US" dirty="0"/>
+            <a:endParaRPr lang="en-US" dirty="0">
+              <a:solidFill>
+                <a:schemeClr val="bg1">
+                  <a:lumMod val="85000"/>
+                </a:schemeClr>
+              </a:solidFill>
+              <a:effectLst>
+                <a:outerShdw blurRad="38100" dist="38100" dir="2700000" algn="tl">
+                  <a:srgbClr val="000000">
+                    <a:alpha val="43137"/>
+                  </a:srgbClr>
+                </a:outerShdw>
+              </a:effectLst>
+            </a:endParaRPr>
           </a:p>
         </p:txBody>
       </p:sp>
@@ -5228,14 +7025,28 @@
           <a:lstStyle/>
           <a:p>
             <a:r>
-              <a:rPr lang="en-US" dirty="0" smtClean="0"/>
+              <a:rPr lang="en-US" dirty="0" smtClean="0">
+                <a:solidFill>
+                  <a:schemeClr val="bg1">
+                    <a:lumMod val="85000"/>
+                  </a:schemeClr>
+                </a:solidFill>
+                <a:effectLst>
+                  <a:outerShdw blurRad="38100" dist="38100" dir="2700000" algn="tl">
+                    <a:srgbClr val="000000">
+                      <a:alpha val="43137"/>
+                    </a:srgbClr>
+                  </a:outerShdw>
+                </a:effectLst>
+              </a:rPr>
               <a:t>Db Design History </a:t>
             </a:r>
             <a:r>
               <a:rPr lang="en-US" dirty="0" smtClean="0">
                 <a:solidFill>
-                  <a:schemeClr val="bg1">
-                    <a:lumMod val="95000"/>
+                  <a:schemeClr val="accent6">
+                    <a:lumMod val="60000"/>
+                    <a:lumOff val="40000"/>
                   </a:schemeClr>
                 </a:solidFill>
               </a:rPr>
@@ -5244,8 +7055,9 @@
             <a:r>
               <a:rPr lang="en-US" dirty="0" err="1" smtClean="0">
                 <a:solidFill>
-                  <a:schemeClr val="bg1">
-                    <a:lumMod val="95000"/>
+                  <a:schemeClr val="accent6">
+                    <a:lumMod val="60000"/>
+                    <a:lumOff val="40000"/>
                   </a:schemeClr>
                 </a:solidFill>
               </a:rPr>
@@ -5254,8 +7066,9 @@
             <a:r>
               <a:rPr lang="en-US" dirty="0" smtClean="0">
                 <a:solidFill>
-                  <a:schemeClr val="bg1">
-                    <a:lumMod val="95000"/>
+                  <a:schemeClr val="accent6">
+                    <a:lumMod val="60000"/>
+                    <a:lumOff val="40000"/>
                   </a:schemeClr>
                 </a:solidFill>
               </a:rPr>
@@ -5265,38 +7078,130 @@
           <a:p>
             <a:pPr lvl="1"/>
             <a:r>
-              <a:rPr lang="en-US" dirty="0" smtClean="0"/>
+              <a:rPr lang="en-US" dirty="0" smtClean="0">
+                <a:solidFill>
+                  <a:schemeClr val="bg1">
+                    <a:lumMod val="85000"/>
+                  </a:schemeClr>
+                </a:solidFill>
+                <a:effectLst>
+                  <a:outerShdw blurRad="38100" dist="38100" dir="2700000" algn="tl">
+                    <a:srgbClr val="000000">
+                      <a:alpha val="43137"/>
+                    </a:srgbClr>
+                  </a:outerShdw>
+                </a:effectLst>
+              </a:rPr>
               <a:t>1</a:t>
             </a:r>
             <a:r>
-              <a:rPr lang="en-US" baseline="30000" dirty="0" smtClean="0"/>
+              <a:rPr lang="en-US" baseline="30000" dirty="0" smtClean="0">
+                <a:solidFill>
+                  <a:schemeClr val="bg1">
+                    <a:lumMod val="85000"/>
+                  </a:schemeClr>
+                </a:solidFill>
+                <a:effectLst>
+                  <a:outerShdw blurRad="38100" dist="38100" dir="2700000" algn="tl">
+                    <a:srgbClr val="000000">
+                      <a:alpha val="43137"/>
+                    </a:srgbClr>
+                  </a:outerShdw>
+                </a:effectLst>
+              </a:rPr>
               <a:t>st</a:t>
             </a:r>
             <a:r>
-              <a:rPr lang="en-US" dirty="0" smtClean="0"/>
+              <a:rPr lang="en-US" dirty="0" smtClean="0">
+                <a:solidFill>
+                  <a:schemeClr val="bg1">
+                    <a:lumMod val="85000"/>
+                  </a:schemeClr>
+                </a:solidFill>
+                <a:effectLst>
+                  <a:outerShdw blurRad="38100" dist="38100" dir="2700000" algn="tl">
+                    <a:srgbClr val="000000">
+                      <a:alpha val="43137"/>
+                    </a:srgbClr>
+                  </a:outerShdw>
+                </a:effectLst>
+              </a:rPr>
               <a:t>, 2</a:t>
             </a:r>
             <a:r>
-              <a:rPr lang="en-US" baseline="30000" dirty="0" smtClean="0"/>
+              <a:rPr lang="en-US" baseline="30000" dirty="0" smtClean="0">
+                <a:solidFill>
+                  <a:schemeClr val="bg1">
+                    <a:lumMod val="85000"/>
+                  </a:schemeClr>
+                </a:solidFill>
+                <a:effectLst>
+                  <a:outerShdw blurRad="38100" dist="38100" dir="2700000" algn="tl">
+                    <a:srgbClr val="000000">
+                      <a:alpha val="43137"/>
+                    </a:srgbClr>
+                  </a:outerShdw>
+                </a:effectLst>
+              </a:rPr>
               <a:t>nd</a:t>
             </a:r>
             <a:r>
-              <a:rPr lang="en-US" dirty="0" smtClean="0"/>
+              <a:rPr lang="en-US" dirty="0" smtClean="0">
+                <a:solidFill>
+                  <a:schemeClr val="bg1">
+                    <a:lumMod val="85000"/>
+                  </a:schemeClr>
+                </a:solidFill>
+                <a:effectLst>
+                  <a:outerShdw blurRad="38100" dist="38100" dir="2700000" algn="tl">
+                    <a:srgbClr val="000000">
+                      <a:alpha val="43137"/>
+                    </a:srgbClr>
+                  </a:outerShdw>
+                </a:effectLst>
+              </a:rPr>
               <a:t> and 3</a:t>
             </a:r>
             <a:r>
-              <a:rPr lang="en-US" baseline="30000" dirty="0" smtClean="0"/>
+              <a:rPr lang="en-US" baseline="30000" dirty="0" smtClean="0">
+                <a:solidFill>
+                  <a:schemeClr val="bg1">
+                    <a:lumMod val="85000"/>
+                  </a:schemeClr>
+                </a:solidFill>
+                <a:effectLst>
+                  <a:outerShdw blurRad="38100" dist="38100" dir="2700000" algn="tl">
+                    <a:srgbClr val="000000">
+                      <a:alpha val="43137"/>
+                    </a:srgbClr>
+                  </a:outerShdw>
+                </a:effectLst>
+              </a:rPr>
               <a:t>rd</a:t>
             </a:r>
             <a:r>
-              <a:rPr lang="en-US" dirty="0" smtClean="0"/>
+              <a:rPr lang="en-US" dirty="0" smtClean="0">
+                <a:solidFill>
+                  <a:schemeClr val="bg1">
+                    <a:lumMod val="85000"/>
+                  </a:schemeClr>
+                </a:solidFill>
+                <a:effectLst>
+                  <a:outerShdw blurRad="38100" dist="38100" dir="2700000" algn="tl">
+                    <a:srgbClr val="000000">
+                      <a:alpha val="43137"/>
+                    </a:srgbClr>
+                  </a:outerShdw>
+                </a:effectLst>
+              </a:rPr>
               <a:t> Normal Form Definitions </a:t>
             </a:r>
             <a:r>
               <a:rPr lang="en-US" dirty="0" smtClean="0">
                 <a:solidFill>
-                  <a:schemeClr val="bg1">
-                    <a:lumMod val="95000"/>
+                  <a:schemeClr val="accent6">
+                    <a:lumMod val="60000"/>
+                    <a:lumOff val="40000"/>
                   </a:schemeClr>
                 </a:solidFill>
               </a:rPr>
@@ -5305,14 +7210,28 @@
           </a:p>
           <a:p>
             <a:r>
-              <a:rPr lang="en-US" dirty="0" smtClean="0"/>
+              <a:rPr lang="en-US" dirty="0" smtClean="0">
+                <a:solidFill>
+                  <a:schemeClr val="bg1">
+                    <a:lumMod val="85000"/>
+                  </a:schemeClr>
+                </a:solidFill>
+                <a:effectLst>
+                  <a:outerShdw blurRad="38100" dist="38100" dir="2700000" algn="tl">
+                    <a:srgbClr val="000000">
+                      <a:alpha val="43137"/>
+                    </a:srgbClr>
+                  </a:outerShdw>
+                </a:effectLst>
+              </a:rPr>
               <a:t>Data Imports </a:t>
             </a:r>
             <a:r>
               <a:rPr lang="en-US" dirty="0" smtClean="0">
                 <a:solidFill>
-                  <a:schemeClr val="bg1">
-                    <a:lumMod val="95000"/>
+                  <a:schemeClr val="accent6">
+                    <a:lumMod val="60000"/>
+                    <a:lumOff val="40000"/>
                   </a:schemeClr>
                 </a:solidFill>
               </a:rPr>
@@ -5321,44 +7240,73 @@
           </a:p>
           <a:p>
             <a:r>
-              <a:rPr lang="en-US" dirty="0" smtClean="0"/>
+              <a:rPr lang="en-US" dirty="0" smtClean="0">
+                <a:solidFill>
+                  <a:schemeClr val="bg1">
+                    <a:lumMod val="65000"/>
+                  </a:schemeClr>
+                </a:solidFill>
+                <a:effectLst>
+                  <a:outerShdw blurRad="38100" dist="38100" dir="2700000" algn="tl">
+                    <a:srgbClr val="000000">
+                      <a:alpha val="43137"/>
+                    </a:srgbClr>
+                  </a:outerShdw>
+                </a:effectLst>
+              </a:rPr>
               <a:t>Performance </a:t>
             </a:r>
             <a:r>
               <a:rPr lang="en-US" dirty="0" smtClean="0">
                 <a:solidFill>
-                  <a:schemeClr val="bg1"/>
-                </a:solidFill>
-              </a:rPr>
-              <a:t>(</a:t>
-            </a:r>
-            <a:r>
-              <a:rPr lang="en-US" dirty="0" smtClean="0">
-                <a:solidFill>
-                  <a:schemeClr val="bg1">
-                    <a:lumMod val="95000"/>
-                  </a:schemeClr>
-                </a:solidFill>
-              </a:rPr>
-              <a:t>Don’t make all your fields </a:t>
+                  <a:schemeClr val="accent2">
+                    <a:lumMod val="40000"/>
+                    <a:lumOff val="60000"/>
+                  </a:schemeClr>
+                </a:solidFill>
+                <a:effectLst>
+                  <a:outerShdw blurRad="38100" dist="38100" dir="2700000" algn="tl">
+                    <a:srgbClr val="000000">
+                      <a:alpha val="43137"/>
+                    </a:srgbClr>
+                  </a:outerShdw>
+                </a:effectLst>
+              </a:rPr>
+              <a:t>(Don’t make all your fields </a:t>
             </a:r>
             <a:r>
               <a:rPr lang="en-US" dirty="0" err="1" smtClean="0">
                 <a:solidFill>
-                  <a:schemeClr val="bg1">
-                    <a:lumMod val="95000"/>
-                  </a:schemeClr>
-                </a:solidFill>
+                  <a:schemeClr val="accent2">
+                    <a:lumMod val="40000"/>
+                    <a:lumOff val="60000"/>
+                  </a:schemeClr>
+                </a:solidFill>
+                <a:effectLst>
+                  <a:outerShdw blurRad="38100" dist="38100" dir="2700000" algn="tl">
+                    <a:srgbClr val="000000">
+                      <a:alpha val="43137"/>
+                    </a:srgbClr>
+                  </a:outerShdw>
+                </a:effectLst>
               </a:rPr>
               <a:t>nvarchar</a:t>
             </a:r>
             <a:r>
               <a:rPr lang="en-US" dirty="0" smtClean="0">
                 <a:solidFill>
-                  <a:schemeClr val="bg1">
-                    <a:lumMod val="95000"/>
-                  </a:schemeClr>
-                </a:solidFill>
+                  <a:schemeClr val="accent2">
+                    <a:lumMod val="40000"/>
+                    <a:lumOff val="60000"/>
+                  </a:schemeClr>
+                </a:solidFill>
+                <a:effectLst>
+                  <a:outerShdw blurRad="38100" dist="38100" dir="2700000" algn="tl">
+                    <a:srgbClr val="000000">
+                      <a:alpha val="43137"/>
+                    </a:srgbClr>
+                  </a:outerShdw>
+                </a:effectLst>
               </a:rPr>
               <a:t>(max))</a:t>
             </a:r>
@@ -5366,14 +7314,28 @@
           <a:p>
             <a:pPr lvl="1"/>
             <a:r>
-              <a:rPr lang="en-US" dirty="0"/>
+              <a:rPr lang="en-US" dirty="0">
+                <a:solidFill>
+                  <a:schemeClr val="bg1">
+                    <a:lumMod val="65000"/>
+                  </a:schemeClr>
+                </a:solidFill>
+                <a:effectLst>
+                  <a:outerShdw blurRad="38100" dist="38100" dir="2700000" algn="tl">
+                    <a:srgbClr val="000000">
+                      <a:alpha val="43137"/>
+                    </a:srgbClr>
+                  </a:outerShdw>
+                </a:effectLst>
+              </a:rPr>
               <a:t>Indexing </a:t>
             </a:r>
             <a:r>
               <a:rPr lang="en-US" dirty="0">
                 <a:solidFill>
-                  <a:schemeClr val="bg1">
-                    <a:lumMod val="95000"/>
+                  <a:schemeClr val="accent2">
+                    <a:lumMod val="40000"/>
+                    <a:lumOff val="60000"/>
                   </a:schemeClr>
                 </a:solidFill>
               </a:rPr>
@@ -5382,8 +7344,9 @@
             <a:r>
               <a:rPr lang="en-US" dirty="0" smtClean="0">
                 <a:solidFill>
-                  <a:schemeClr val="bg1">
-                    <a:lumMod val="95000"/>
+                  <a:schemeClr val="accent2">
+                    <a:lumMod val="40000"/>
+                    <a:lumOff val="60000"/>
                   </a:schemeClr>
                 </a:solidFill>
               </a:rPr>
@@ -5393,60 +7356,152 @@
           <a:p>
             <a:pPr lvl="1"/>
             <a:r>
-              <a:rPr lang="en-US" dirty="0" smtClean="0"/>
+              <a:rPr lang="en-US" dirty="0" smtClean="0">
+                <a:solidFill>
+                  <a:schemeClr val="bg1">
+                    <a:lumMod val="65000"/>
+                  </a:schemeClr>
+                </a:solidFill>
+                <a:effectLst>
+                  <a:outerShdw blurRad="38100" dist="38100" dir="2700000" algn="tl">
+                    <a:srgbClr val="000000">
+                      <a:alpha val="43137"/>
+                    </a:srgbClr>
+                  </a:outerShdw>
+                </a:effectLst>
+              </a:rPr>
               <a:t>Query Optimization </a:t>
             </a:r>
             <a:r>
               <a:rPr lang="en-US" dirty="0" smtClean="0">
                 <a:solidFill>
-                  <a:schemeClr val="bg1">
-                    <a:lumMod val="95000"/>
-                  </a:schemeClr>
-                </a:solidFill>
-              </a:rPr>
-              <a:t>(Talk to Richie)</a:t>
-            </a:r>
-          </a:p>
-          <a:p>
-            <a:r>
-              <a:rPr lang="en-US" dirty="0" smtClean="0"/>
+                  <a:schemeClr val="accent2">
+                    <a:lumMod val="40000"/>
+                    <a:lumOff val="60000"/>
+                  </a:schemeClr>
+                </a:solidFill>
+              </a:rPr>
+              <a:t>(Talk to </a:t>
+            </a:r>
+            <a:r>
+              <a:rPr lang="en-US" dirty="0" smtClean="0">
+                <a:solidFill>
+                  <a:schemeClr val="accent2">
+                    <a:lumMod val="40000"/>
+                    <a:lumOff val="60000"/>
+                  </a:schemeClr>
+                </a:solidFill>
+              </a:rPr>
+              <a:t>Richie or some other expert)</a:t>
+            </a:r>
+            <a:endParaRPr lang="en-US" dirty="0" smtClean="0">
+              <a:solidFill>
+                <a:schemeClr val="accent2">
+                  <a:lumMod val="40000"/>
+                  <a:lumOff val="60000"/>
+                </a:schemeClr>
+              </a:solidFill>
+            </a:endParaRPr>
+          </a:p>
+          <a:p>
+            <a:r>
+              <a:rPr lang="en-US" dirty="0" smtClean="0">
+                <a:solidFill>
+                  <a:schemeClr val="bg1">
+                    <a:lumMod val="85000"/>
+                  </a:schemeClr>
+                </a:solidFill>
+                <a:effectLst>
+                  <a:outerShdw blurRad="38100" dist="38100" dir="2700000" algn="tl">
+                    <a:srgbClr val="000000">
+                      <a:alpha val="43137"/>
+                    </a:srgbClr>
+                  </a:outerShdw>
+                </a:effectLst>
+              </a:rPr>
               <a:t>Conceptual, Logical or Physical debate </a:t>
             </a:r>
             <a:r>
               <a:rPr lang="en-US" sz="2400" dirty="0" smtClean="0">
                 <a:solidFill>
                   <a:schemeClr val="bg1">
-                    <a:lumMod val="95000"/>
-                  </a:schemeClr>
-                </a:solidFill>
+                    <a:lumMod val="50000"/>
+                  </a:schemeClr>
+                </a:solidFill>
+                <a:effectLst>
+                  <a:outerShdw blurRad="38100" dist="38100" dir="2700000" algn="tl">
+                    <a:srgbClr val="000000">
+                      <a:alpha val="43137"/>
+                    </a:srgbClr>
+                  </a:outerShdw>
+                </a:effectLst>
               </a:rPr>
               <a:t>(just Logical, or is that Physical?)</a:t>
             </a:r>
           </a:p>
           <a:p>
             <a:r>
-              <a:rPr lang="en-US" dirty="0" smtClean="0"/>
+              <a:rPr lang="en-US" dirty="0" smtClean="0">
+                <a:solidFill>
+                  <a:schemeClr val="bg1">
+                    <a:lumMod val="85000"/>
+                  </a:schemeClr>
+                </a:solidFill>
+                <a:effectLst>
+                  <a:outerShdw blurRad="38100" dist="38100" dir="2700000" algn="tl">
+                    <a:srgbClr val="000000">
+                      <a:alpha val="43137"/>
+                    </a:srgbClr>
+                  </a:outerShdw>
+                </a:effectLst>
+              </a:rPr>
               <a:t>Naming Conventions </a:t>
             </a:r>
             <a:r>
               <a:rPr lang="en-US" dirty="0" smtClean="0">
                 <a:solidFill>
                   <a:schemeClr val="bg1">
-                    <a:lumMod val="95000"/>
-                  </a:schemeClr>
-                </a:solidFill>
+                    <a:lumMod val="50000"/>
+                  </a:schemeClr>
+                </a:solidFill>
+                <a:effectLst>
+                  <a:outerShdw blurRad="38100" dist="38100" dir="2700000" algn="tl">
+                    <a:srgbClr val="000000">
+                      <a:alpha val="43137"/>
+                    </a:srgbClr>
+                  </a:outerShdw>
+                </a:effectLst>
               </a:rPr>
               <a:t>(follow them)</a:t>
             </a:r>
           </a:p>
           <a:p>
             <a:r>
-              <a:rPr lang="en-US" dirty="0" smtClean="0"/>
+              <a:rPr lang="en-US" dirty="0" smtClean="0">
+                <a:solidFill>
+                  <a:schemeClr val="bg1">
+                    <a:lumMod val="85000"/>
+                  </a:schemeClr>
+                </a:solidFill>
+                <a:effectLst>
+                  <a:outerShdw blurRad="38100" dist="38100" dir="2700000" algn="tl">
+                    <a:srgbClr val="000000">
+                      <a:alpha val="43137"/>
+                    </a:srgbClr>
+                  </a:outerShdw>
+                </a:effectLst>
+              </a:rPr>
               <a:t>Object/Graph/Document/BI Databases</a:t>
             </a:r>
           </a:p>
           <a:p>
-            <a:endParaRPr lang="en-US" dirty="0"/>
+            <a:endParaRPr lang="en-US" dirty="0">
+              <a:solidFill>
+                <a:schemeClr val="bg1">
+                  <a:lumMod val="85000"/>
+                </a:schemeClr>
+              </a:solidFill>
+            </a:endParaRPr>
           </a:p>
         </p:txBody>
       </p:sp>
@@ -5487,6 +7542,36 @@
           <a:chExt cx="0" cy="0"/>
         </a:xfrm>
       </p:grpSpPr>
+      <p:pic>
+        <p:nvPicPr>
+          <p:cNvPr id="4" name="Picture 3"/>
+          <p:cNvPicPr preferRelativeResize="0">
+            <a:picLocks/>
+          </p:cNvPicPr>
+          <p:nvPr/>
+        </p:nvPicPr>
+        <p:blipFill>
+          <a:blip r:embed="rId2">
+            <a:extLst>
+              <a:ext uri="{28A0092B-C50C-407E-A947-70E740481C1C}">
+                <a14:useLocalDpi xmlns:a14="http://schemas.microsoft.com/office/drawing/2010/main" val="0"/>
+              </a:ext>
+            </a:extLst>
+          </a:blip>
+          <a:stretch>
+            <a:fillRect/>
+          </a:stretch>
+        </p:blipFill>
+        <p:spPr>
+          <a:xfrm>
+            <a:off x="0" y="0"/>
+            <a:ext cx="12192000" cy="6858000"/>
+          </a:xfrm>
+          <a:prstGeom prst="rect">
+            <a:avLst/>
+          </a:prstGeom>
+        </p:spPr>
+      </p:pic>
       <p:sp>
         <p:nvSpPr>
           <p:cNvPr id="2" name="Title 1"/>
@@ -5503,10 +7588,36 @@
           <a:lstStyle/>
           <a:p>
             <a:r>
-              <a:rPr lang="en-US" dirty="0" smtClean="0"/>
+              <a:rPr lang="en-US" dirty="0" smtClean="0">
+                <a:solidFill>
+                  <a:schemeClr val="bg1">
+                    <a:lumMod val="85000"/>
+                  </a:schemeClr>
+                </a:solidFill>
+                <a:effectLst>
+                  <a:outerShdw blurRad="38100" dist="38100" dir="2700000" algn="tl">
+                    <a:srgbClr val="000000">
+                      <a:alpha val="43137"/>
+                    </a:srgbClr>
+                  </a:outerShdw>
+                </a:effectLst>
+              </a:rPr>
               <a:t>What We Will Cover</a:t>
             </a:r>
-            <a:endParaRPr lang="en-US" dirty="0"/>
+            <a:endParaRPr lang="en-US" dirty="0">
+              <a:solidFill>
+                <a:schemeClr val="bg1">
+                  <a:lumMod val="85000"/>
+                </a:schemeClr>
+              </a:solidFill>
+              <a:effectLst>
+                <a:outerShdw blurRad="38100" dist="38100" dir="2700000" algn="tl">
+                  <a:srgbClr val="000000">
+                    <a:alpha val="43137"/>
+                  </a:srgbClr>
+                </a:outerShdw>
+              </a:effectLst>
+            </a:endParaRPr>
           </a:p>
         </p:txBody>
       </p:sp>
@@ -5526,56 +7637,186 @@
           <a:lstStyle/>
           <a:p>
             <a:r>
-              <a:rPr lang="en-US" dirty="0" smtClean="0"/>
+              <a:rPr lang="en-US" dirty="0" smtClean="0">
+                <a:solidFill>
+                  <a:schemeClr val="bg1">
+                    <a:lumMod val="85000"/>
+                  </a:schemeClr>
+                </a:solidFill>
+                <a:effectLst>
+                  <a:outerShdw blurRad="38100" dist="38100" dir="2700000" algn="tl">
+                    <a:srgbClr val="000000">
+                      <a:alpha val="43137"/>
+                    </a:srgbClr>
+                  </a:outerShdw>
+                </a:effectLst>
+              </a:rPr>
               <a:t>Going From “Flat” File to a relational </a:t>
             </a:r>
             <a:r>
-              <a:rPr lang="en-US" dirty="0" err="1"/>
+              <a:rPr lang="en-US" dirty="0" err="1">
+                <a:solidFill>
+                  <a:schemeClr val="bg1">
+                    <a:lumMod val="85000"/>
+                  </a:schemeClr>
+                </a:solidFill>
+                <a:effectLst>
+                  <a:outerShdw blurRad="38100" dist="38100" dir="2700000" algn="tl">
+                    <a:srgbClr val="000000">
+                      <a:alpha val="43137"/>
+                    </a:srgbClr>
+                  </a:outerShdw>
+                </a:effectLst>
+              </a:rPr>
               <a:t>d</a:t>
             </a:r>
             <a:r>
-              <a:rPr lang="en-US" dirty="0" err="1" smtClean="0"/>
+              <a:rPr lang="en-US" dirty="0" err="1" smtClean="0">
+                <a:solidFill>
+                  <a:schemeClr val="bg1">
+                    <a:lumMod val="85000"/>
+                  </a:schemeClr>
+                </a:solidFill>
+                <a:effectLst>
+                  <a:outerShdw blurRad="38100" dist="38100" dir="2700000" algn="tl">
+                    <a:srgbClr val="000000">
+                      <a:alpha val="43137"/>
+                    </a:srgbClr>
+                  </a:outerShdw>
+                </a:effectLst>
+              </a:rPr>
               <a:t>b</a:t>
             </a:r>
             <a:r>
-              <a:rPr lang="en-US" dirty="0" smtClean="0"/>
+              <a:rPr lang="en-US" dirty="0" smtClean="0">
+                <a:solidFill>
+                  <a:schemeClr val="bg1">
+                    <a:lumMod val="85000"/>
+                  </a:schemeClr>
+                </a:solidFill>
+                <a:effectLst>
+                  <a:outerShdw blurRad="38100" dist="38100" dir="2700000" algn="tl">
+                    <a:srgbClr val="000000">
+                      <a:alpha val="43137"/>
+                    </a:srgbClr>
+                  </a:outerShdw>
+                </a:effectLst>
+              </a:rPr>
               <a:t> Design</a:t>
             </a:r>
           </a:p>
           <a:p>
             <a:r>
-              <a:rPr lang="en-US" dirty="0" smtClean="0"/>
+              <a:rPr lang="en-US" dirty="0" smtClean="0">
+                <a:solidFill>
+                  <a:schemeClr val="bg1">
+                    <a:lumMod val="85000"/>
+                  </a:schemeClr>
+                </a:solidFill>
+                <a:effectLst>
+                  <a:outerShdw blurRad="38100" dist="38100" dir="2700000" algn="tl">
+                    <a:srgbClr val="000000">
+                      <a:alpha val="43137"/>
+                    </a:srgbClr>
+                  </a:outerShdw>
+                </a:effectLst>
+              </a:rPr>
               <a:t>Practical Approach</a:t>
             </a:r>
           </a:p>
           <a:p>
             <a:r>
-              <a:rPr lang="en-US" dirty="0" smtClean="0"/>
+              <a:rPr lang="en-US" dirty="0" smtClean="0">
+                <a:solidFill>
+                  <a:schemeClr val="bg1">
+                    <a:lumMod val="85000"/>
+                  </a:schemeClr>
+                </a:solidFill>
+                <a:effectLst>
+                  <a:outerShdw blurRad="38100" dist="38100" dir="2700000" algn="tl">
+                    <a:srgbClr val="000000">
+                      <a:alpha val="43137"/>
+                    </a:srgbClr>
+                  </a:outerShdw>
+                </a:effectLst>
+              </a:rPr>
               <a:t>From “Flat” file to Relational Design</a:t>
             </a:r>
           </a:p>
           <a:p>
             <a:r>
-              <a:rPr lang="en-US" dirty="0" smtClean="0"/>
+              <a:rPr lang="en-US" dirty="0" smtClean="0">
+                <a:solidFill>
+                  <a:schemeClr val="bg1">
+                    <a:lumMod val="85000"/>
+                  </a:schemeClr>
+                </a:solidFill>
+                <a:effectLst>
+                  <a:outerShdw blurRad="38100" dist="38100" dir="2700000" algn="tl">
+                    <a:srgbClr val="000000">
+                      <a:alpha val="43137"/>
+                    </a:srgbClr>
+                  </a:outerShdw>
+                </a:effectLst>
+              </a:rPr>
               <a:t>Basically: </a:t>
             </a:r>
           </a:p>
           <a:p>
             <a:pPr lvl="1"/>
             <a:r>
-              <a:rPr lang="en-US" dirty="0" smtClean="0"/>
+              <a:rPr lang="en-US" dirty="0" smtClean="0">
+                <a:solidFill>
+                  <a:schemeClr val="bg1">
+                    <a:lumMod val="85000"/>
+                  </a:schemeClr>
+                </a:solidFill>
+                <a:effectLst>
+                  <a:outerShdw blurRad="38100" dist="38100" dir="2700000" algn="tl">
+                    <a:srgbClr val="000000">
+                      <a:alpha val="43137"/>
+                    </a:srgbClr>
+                  </a:outerShdw>
+                </a:effectLst>
+              </a:rPr>
               <a:t>Why do we do relational design </a:t>
             </a:r>
           </a:p>
           <a:p>
             <a:pPr lvl="1"/>
             <a:r>
-              <a:rPr lang="en-US" dirty="0" smtClean="0"/>
+              <a:rPr lang="en-US" dirty="0" smtClean="0">
+                <a:solidFill>
+                  <a:schemeClr val="bg1">
+                    <a:lumMod val="85000"/>
+                  </a:schemeClr>
+                </a:solidFill>
+                <a:effectLst>
+                  <a:outerShdw blurRad="38100" dist="38100" dir="2700000" algn="tl">
+                    <a:srgbClr val="000000">
+                      <a:alpha val="43137"/>
+                    </a:srgbClr>
+                  </a:outerShdw>
+                </a:effectLst>
+              </a:rPr>
               <a:t>How do we do relational design</a:t>
             </a:r>
           </a:p>
           <a:p>
-            <a:endParaRPr lang="en-US" dirty="0"/>
+            <a:endParaRPr lang="en-US" dirty="0">
+              <a:solidFill>
+                <a:schemeClr val="bg1">
+                  <a:lumMod val="85000"/>
+                </a:schemeClr>
+              </a:solidFill>
+              <a:effectLst>
+                <a:outerShdw blurRad="38100" dist="38100" dir="2700000" algn="tl">
+                  <a:srgbClr val="000000">
+                    <a:alpha val="43137"/>
+                  </a:srgbClr>
+                </a:outerShdw>
+              </a:effectLst>
+            </a:endParaRPr>
           </a:p>
         </p:txBody>
       </p:sp>
@@ -5616,6 +7857,36 @@
           <a:chExt cx="0" cy="0"/>
         </a:xfrm>
       </p:grpSpPr>
+      <p:pic>
+        <p:nvPicPr>
+          <p:cNvPr id="4" name="Picture 3"/>
+          <p:cNvPicPr preferRelativeResize="0">
+            <a:picLocks/>
+          </p:cNvPicPr>
+          <p:nvPr/>
+        </p:nvPicPr>
+        <p:blipFill>
+          <a:blip r:embed="rId2">
+            <a:extLst>
+              <a:ext uri="{28A0092B-C50C-407E-A947-70E740481C1C}">
+                <a14:useLocalDpi xmlns:a14="http://schemas.microsoft.com/office/drawing/2010/main" val="0"/>
+              </a:ext>
+            </a:extLst>
+          </a:blip>
+          <a:stretch>
+            <a:fillRect/>
+          </a:stretch>
+        </p:blipFill>
+        <p:spPr>
+          <a:xfrm>
+            <a:off x="0" y="0"/>
+            <a:ext cx="12192000" cy="6858000"/>
+          </a:xfrm>
+          <a:prstGeom prst="rect">
+            <a:avLst/>
+          </a:prstGeom>
+        </p:spPr>
+      </p:pic>
       <p:sp>
         <p:nvSpPr>
           <p:cNvPr id="2" name="Title 1"/>
@@ -5632,10 +7903,36 @@
           <a:lstStyle/>
           <a:p>
             <a:r>
-              <a:rPr lang="en-US" dirty="0" smtClean="0"/>
+              <a:rPr lang="en-US" dirty="0" smtClean="0">
+                <a:solidFill>
+                  <a:schemeClr val="bg1">
+                    <a:lumMod val="85000"/>
+                  </a:schemeClr>
+                </a:solidFill>
+                <a:effectLst>
+                  <a:outerShdw blurRad="38100" dist="38100" dir="2700000" algn="tl">
+                    <a:srgbClr val="000000">
+                      <a:alpha val="43137"/>
+                    </a:srgbClr>
+                  </a:outerShdw>
+                </a:effectLst>
+              </a:rPr>
               <a:t>Agenda</a:t>
             </a:r>
-            <a:endParaRPr lang="en-US" dirty="0"/>
+            <a:endParaRPr lang="en-US" dirty="0">
+              <a:solidFill>
+                <a:schemeClr val="bg1">
+                  <a:lumMod val="85000"/>
+                </a:schemeClr>
+              </a:solidFill>
+              <a:effectLst>
+                <a:outerShdw blurRad="38100" dist="38100" dir="2700000" algn="tl">
+                  <a:srgbClr val="000000">
+                    <a:alpha val="43137"/>
+                  </a:srgbClr>
+                </a:outerShdw>
+              </a:effectLst>
+            </a:endParaRPr>
           </a:p>
         </p:txBody>
       </p:sp>
@@ -5655,62 +7952,194 @@
           <a:lstStyle/>
           <a:p>
             <a:r>
-              <a:rPr lang="en-US" dirty="0" smtClean="0"/>
+              <a:rPr lang="en-US" dirty="0" smtClean="0">
+                <a:solidFill>
+                  <a:schemeClr val="bg1">
+                    <a:lumMod val="85000"/>
+                  </a:schemeClr>
+                </a:solidFill>
+                <a:effectLst>
+                  <a:outerShdw blurRad="38100" dist="38100" dir="2700000" algn="tl">
+                    <a:srgbClr val="000000">
+                      <a:alpha val="43137"/>
+                    </a:srgbClr>
+                  </a:outerShdw>
+                </a:effectLst>
+              </a:rPr>
               <a:t>A csv is a “Flat” file</a:t>
             </a:r>
           </a:p>
           <a:p>
             <a:r>
-              <a:rPr lang="en-US" dirty="0" smtClean="0"/>
+              <a:rPr lang="en-US" dirty="0" smtClean="0">
+                <a:solidFill>
+                  <a:schemeClr val="bg1">
+                    <a:lumMod val="85000"/>
+                  </a:schemeClr>
+                </a:solidFill>
+                <a:effectLst>
+                  <a:outerShdw blurRad="38100" dist="38100" dir="2700000" algn="tl">
+                    <a:srgbClr val="000000">
+                      <a:alpha val="43137"/>
+                    </a:srgbClr>
+                  </a:outerShdw>
+                </a:effectLst>
+              </a:rPr>
               <a:t>Big Data can’t stay in a “Flat” file</a:t>
             </a:r>
           </a:p>
           <a:p>
             <a:r>
-              <a:rPr lang="en-US" dirty="0" smtClean="0"/>
+              <a:rPr lang="en-US" dirty="0" smtClean="0">
+                <a:solidFill>
+                  <a:schemeClr val="bg1">
+                    <a:lumMod val="85000"/>
+                  </a:schemeClr>
+                </a:solidFill>
+                <a:effectLst>
+                  <a:outerShdw blurRad="38100" dist="38100" dir="2700000" algn="tl">
+                    <a:srgbClr val="000000">
+                      <a:alpha val="43137"/>
+                    </a:srgbClr>
+                  </a:outerShdw>
+                </a:effectLst>
+              </a:rPr>
               <a:t>Understanding Tables, Columns &amp; Keys</a:t>
             </a:r>
           </a:p>
           <a:p>
             <a:r>
-              <a:rPr lang="en-US" dirty="0" smtClean="0"/>
+              <a:rPr lang="en-US" dirty="0" smtClean="0">
+                <a:solidFill>
+                  <a:schemeClr val="bg1">
+                    <a:lumMod val="85000"/>
+                  </a:schemeClr>
+                </a:solidFill>
+                <a:effectLst>
+                  <a:outerShdw blurRad="38100" dist="38100" dir="2700000" algn="tl">
+                    <a:srgbClr val="000000">
+                      <a:alpha val="43137"/>
+                    </a:srgbClr>
+                  </a:outerShdw>
+                </a:effectLst>
+              </a:rPr>
               <a:t>Going to Relational</a:t>
             </a:r>
           </a:p>
           <a:p>
             <a:pPr lvl="1"/>
             <a:r>
-              <a:rPr lang="en-US" dirty="0" smtClean="0"/>
+              <a:rPr lang="en-US" dirty="0" smtClean="0">
+                <a:solidFill>
+                  <a:schemeClr val="bg1">
+                    <a:lumMod val="85000"/>
+                  </a:schemeClr>
+                </a:solidFill>
+                <a:effectLst>
+                  <a:outerShdw blurRad="38100" dist="38100" dir="2700000" algn="tl">
+                    <a:srgbClr val="000000">
+                      <a:alpha val="43137"/>
+                    </a:srgbClr>
+                  </a:outerShdw>
+                </a:effectLst>
+              </a:rPr>
               <a:t>What Kind of Data?</a:t>
             </a:r>
           </a:p>
           <a:p>
             <a:pPr lvl="1"/>
             <a:r>
-              <a:rPr lang="en-US" dirty="0" smtClean="0"/>
+              <a:rPr lang="en-US" dirty="0" smtClean="0">
+                <a:solidFill>
+                  <a:schemeClr val="bg1">
+                    <a:lumMod val="85000"/>
+                  </a:schemeClr>
+                </a:solidFill>
+                <a:effectLst>
+                  <a:outerShdw blurRad="38100" dist="38100" dir="2700000" algn="tl">
+                    <a:srgbClr val="000000">
+                      <a:alpha val="43137"/>
+                    </a:srgbClr>
+                  </a:outerShdw>
+                </a:effectLst>
+              </a:rPr>
               <a:t>What Repeats?</a:t>
             </a:r>
           </a:p>
           <a:p>
             <a:pPr lvl="1"/>
             <a:r>
-              <a:rPr lang="en-US" dirty="0" smtClean="0"/>
+              <a:rPr lang="en-US" dirty="0" smtClean="0">
+                <a:solidFill>
+                  <a:schemeClr val="bg1">
+                    <a:lumMod val="85000"/>
+                  </a:schemeClr>
+                </a:solidFill>
+                <a:effectLst>
+                  <a:outerShdw blurRad="38100" dist="38100" dir="2700000" algn="tl">
+                    <a:srgbClr val="000000">
+                      <a:alpha val="43137"/>
+                    </a:srgbClr>
+                  </a:outerShdw>
+                </a:effectLst>
+              </a:rPr>
               <a:t>Where should it go?</a:t>
             </a:r>
           </a:p>
           <a:p>
             <a:r>
-              <a:rPr lang="en-US" dirty="0" smtClean="0"/>
+              <a:rPr lang="en-US" dirty="0" smtClean="0">
+                <a:solidFill>
+                  <a:schemeClr val="bg1">
+                    <a:lumMod val="85000"/>
+                  </a:schemeClr>
+                </a:solidFill>
+                <a:effectLst>
+                  <a:outerShdw blurRad="38100" dist="38100" dir="2700000" algn="tl">
+                    <a:srgbClr val="000000">
+                      <a:alpha val="43137"/>
+                    </a:srgbClr>
+                  </a:outerShdw>
+                </a:effectLst>
+              </a:rPr>
               <a:t>Break them Loose!</a:t>
             </a:r>
           </a:p>
           <a:p>
             <a:r>
-              <a:rPr lang="en-US" dirty="0" smtClean="0"/>
-              <a:t>Avoiding Pitfalls [as we go]</a:t>
-            </a:r>
-          </a:p>
-          <a:p>
+              <a:rPr lang="en-US" dirty="0" smtClean="0">
+                <a:solidFill>
+                  <a:schemeClr val="bg1">
+                    <a:lumMod val="85000"/>
+                  </a:schemeClr>
+                </a:solidFill>
+                <a:effectLst>
+                  <a:outerShdw blurRad="38100" dist="38100" dir="2700000" algn="tl">
+                    <a:srgbClr val="000000">
+                      <a:alpha val="43137"/>
+                    </a:srgbClr>
+                  </a:outerShdw>
+                </a:effectLst>
+              </a:rPr>
+              <a:t>Avoiding </a:t>
+            </a:r>
+            <a:r>
+              <a:rPr lang="en-US" dirty="0" smtClean="0">
+                <a:solidFill>
+                  <a:schemeClr val="bg1">
+                    <a:lumMod val="85000"/>
+                  </a:schemeClr>
+                </a:solidFill>
+                <a:effectLst>
+                  <a:outerShdw blurRad="38100" dist="38100" dir="2700000" algn="tl">
+                    <a:srgbClr val="000000">
+                      <a:alpha val="43137"/>
+                    </a:srgbClr>
+                  </a:outerShdw>
+                </a:effectLst>
+              </a:rPr>
+              <a:t>Pitfalls</a:t>
+            </a:r>
             <a:endParaRPr lang="en-US" dirty="0" smtClean="0"/>
           </a:p>
           <a:p>
@@ -5758,6 +8187,36 @@
           <a:chExt cx="0" cy="0"/>
         </a:xfrm>
       </p:grpSpPr>
+      <p:pic>
+        <p:nvPicPr>
+          <p:cNvPr id="4" name="Picture 3"/>
+          <p:cNvPicPr preferRelativeResize="0">
+            <a:picLocks/>
+          </p:cNvPicPr>
+          <p:nvPr/>
+        </p:nvPicPr>
+        <p:blipFill>
+          <a:blip r:embed="rId2">
+            <a:extLst>
+              <a:ext uri="{28A0092B-C50C-407E-A947-70E740481C1C}">
+                <a14:useLocalDpi xmlns:a14="http://schemas.microsoft.com/office/drawing/2010/main" val="0"/>
+              </a:ext>
+            </a:extLst>
+          </a:blip>
+          <a:stretch>
+            <a:fillRect/>
+          </a:stretch>
+        </p:blipFill>
+        <p:spPr>
+          <a:xfrm>
+            <a:off x="0" y="0"/>
+            <a:ext cx="12192000" cy="6858000"/>
+          </a:xfrm>
+          <a:prstGeom prst="rect">
+            <a:avLst/>
+          </a:prstGeom>
+        </p:spPr>
+      </p:pic>
       <p:sp>
         <p:nvSpPr>
           <p:cNvPr id="2" name="Title 1"/>
@@ -5774,10 +8233,36 @@
           <a:lstStyle/>
           <a:p>
             <a:r>
-              <a:rPr lang="en-US" dirty="0" smtClean="0"/>
+              <a:rPr lang="en-US" dirty="0" smtClean="0">
+                <a:solidFill>
+                  <a:schemeClr val="bg1">
+                    <a:lumMod val="95000"/>
+                  </a:schemeClr>
+                </a:solidFill>
+                <a:effectLst>
+                  <a:outerShdw blurRad="38100" dist="38100" dir="2700000" algn="tl">
+                    <a:srgbClr val="000000">
+                      <a:alpha val="43137"/>
+                    </a:srgbClr>
+                  </a:outerShdw>
+                </a:effectLst>
+              </a:rPr>
               <a:t>A .csv is a “Flat” file</a:t>
             </a:r>
-            <a:endParaRPr lang="en-US" dirty="0"/>
+            <a:endParaRPr lang="en-US" dirty="0">
+              <a:solidFill>
+                <a:schemeClr val="bg1">
+                  <a:lumMod val="95000"/>
+                </a:schemeClr>
+              </a:solidFill>
+              <a:effectLst>
+                <a:outerShdw blurRad="38100" dist="38100" dir="2700000" algn="tl">
+                  <a:srgbClr val="000000">
+                    <a:alpha val="43137"/>
+                  </a:srgbClr>
+                </a:outerShdw>
+              </a:effectLst>
+            </a:endParaRPr>
           </a:p>
         </p:txBody>
       </p:sp>
@@ -5793,55 +8278,226 @@
         </p:nvSpPr>
         <p:spPr/>
         <p:txBody>
-          <a:bodyPr/>
+          <a:bodyPr>
+            <a:normAutofit lnSpcReduction="10000"/>
+          </a:bodyPr>
           <a:lstStyle/>
           <a:p>
             <a:r>
-              <a:rPr lang="en-US" dirty="0" smtClean="0"/>
+              <a:rPr lang="en-US" dirty="0" smtClean="0">
+                <a:solidFill>
+                  <a:schemeClr val="bg1">
+                    <a:lumMod val="95000"/>
+                  </a:schemeClr>
+                </a:solidFill>
+                <a:effectLst>
+                  <a:outerShdw blurRad="38100" dist="38100" dir="2700000" algn="tl">
+                    <a:srgbClr val="000000">
+                      <a:alpha val="43137"/>
+                    </a:srgbClr>
+                  </a:outerShdw>
+                </a:effectLst>
+              </a:rPr>
               <a:t>A Flat What?</a:t>
             </a:r>
           </a:p>
           <a:p>
             <a:r>
-              <a:rPr lang="en-US" dirty="0" smtClean="0"/>
+              <a:rPr lang="en-US" dirty="0" smtClean="0">
+                <a:solidFill>
+                  <a:schemeClr val="bg1">
+                    <a:lumMod val="95000"/>
+                  </a:schemeClr>
+                </a:solidFill>
+                <a:effectLst>
+                  <a:outerShdw blurRad="38100" dist="38100" dir="2700000" algn="tl">
+                    <a:srgbClr val="000000">
+                      <a:alpha val="43137"/>
+                    </a:srgbClr>
+                  </a:outerShdw>
+                </a:effectLst>
+              </a:rPr>
               <a:t>There are many types of Flat files</a:t>
             </a:r>
           </a:p>
           <a:p>
-            <a:r>
-              <a:rPr lang="en-US" dirty="0" smtClean="0"/>
-              <a:t>Flat vs. Relational</a:t>
+            <a:endParaRPr lang="en-US" dirty="0" smtClean="0">
+              <a:solidFill>
+                <a:schemeClr val="bg1">
+                  <a:lumMod val="95000"/>
+                </a:schemeClr>
+              </a:solidFill>
+              <a:effectLst>
+                <a:outerShdw blurRad="38100" dist="38100" dir="2700000" algn="tl">
+                  <a:srgbClr val="000000">
+                    <a:alpha val="43137"/>
+                  </a:srgbClr>
+                </a:outerShdw>
+              </a:effectLst>
+            </a:endParaRPr>
+          </a:p>
+          <a:p>
+            <a:endParaRPr lang="en-US" dirty="0">
+              <a:solidFill>
+                <a:schemeClr val="bg1">
+                  <a:lumMod val="95000"/>
+                </a:schemeClr>
+              </a:solidFill>
+              <a:effectLst>
+                <a:outerShdw blurRad="38100" dist="38100" dir="2700000" algn="tl">
+                  <a:srgbClr val="000000">
+                    <a:alpha val="43137"/>
+                  </a:srgbClr>
+                </a:outerShdw>
+              </a:effectLst>
+            </a:endParaRPr>
+          </a:p>
+          <a:p>
+            <a:endParaRPr lang="en-US" dirty="0" smtClean="0">
+              <a:solidFill>
+                <a:schemeClr val="bg1">
+                  <a:lumMod val="95000"/>
+                </a:schemeClr>
+              </a:solidFill>
+              <a:effectLst>
+                <a:outerShdw blurRad="38100" dist="38100" dir="2700000" algn="tl">
+                  <a:srgbClr val="000000">
+                    <a:alpha val="43137"/>
+                  </a:srgbClr>
+                </a:outerShdw>
+              </a:effectLst>
+            </a:endParaRPr>
+          </a:p>
+          <a:p>
+            <a:r>
+              <a:rPr lang="en-US" dirty="0" smtClean="0">
+                <a:solidFill>
+                  <a:schemeClr val="bg1">
+                    <a:lumMod val="95000"/>
+                  </a:schemeClr>
+                </a:solidFill>
+                <a:effectLst>
+                  <a:outerShdw blurRad="38100" dist="38100" dir="2700000" algn="tl">
+                    <a:srgbClr val="000000">
+                      <a:alpha val="43137"/>
+                    </a:srgbClr>
+                  </a:outerShdw>
+                </a:effectLst>
+              </a:rPr>
+              <a:t>Flat </a:t>
+            </a:r>
+            <a:r>
+              <a:rPr lang="en-US" dirty="0" smtClean="0">
+                <a:solidFill>
+                  <a:schemeClr val="bg1">
+                    <a:lumMod val="95000"/>
+                  </a:schemeClr>
+                </a:solidFill>
+                <a:effectLst>
+                  <a:outerShdw blurRad="38100" dist="38100" dir="2700000" algn="tl">
+                    <a:srgbClr val="000000">
+                      <a:alpha val="43137"/>
+                    </a:srgbClr>
+                  </a:outerShdw>
+                </a:effectLst>
+              </a:rPr>
+              <a:t>vs. Relational</a:t>
             </a:r>
           </a:p>
           <a:p>
             <a:pPr lvl="1"/>
             <a:r>
-              <a:rPr lang="en-US" dirty="0" smtClean="0"/>
+              <a:rPr lang="en-US" dirty="0" smtClean="0">
+                <a:solidFill>
+                  <a:schemeClr val="bg1">
+                    <a:lumMod val="95000"/>
+                  </a:schemeClr>
+                </a:solidFill>
+                <a:effectLst>
+                  <a:outerShdw blurRad="38100" dist="38100" dir="2700000" algn="tl">
+                    <a:srgbClr val="000000">
+                      <a:alpha val="43137"/>
+                    </a:srgbClr>
+                  </a:outerShdw>
+                </a:effectLst>
+              </a:rPr>
               <a:t>Relational ~ Hierarchy</a:t>
             </a:r>
           </a:p>
           <a:p>
             <a:pPr lvl="2"/>
             <a:r>
-              <a:rPr lang="en-US" dirty="0" smtClean="0"/>
+              <a:rPr lang="en-US" dirty="0" smtClean="0">
+                <a:solidFill>
+                  <a:schemeClr val="bg1">
+                    <a:lumMod val="95000"/>
+                  </a:schemeClr>
+                </a:solidFill>
+                <a:effectLst>
+                  <a:outerShdw blurRad="38100" dist="38100" dir="2700000" algn="tl">
+                    <a:srgbClr val="000000">
+                      <a:alpha val="43137"/>
+                    </a:srgbClr>
+                  </a:outerShdw>
+                </a:effectLst>
+              </a:rPr>
               <a:t>Not Exactly but easier to think of it this way</a:t>
             </a:r>
           </a:p>
           <a:p>
             <a:pPr lvl="2"/>
             <a:r>
-              <a:rPr lang="en-US" dirty="0" smtClean="0"/>
+              <a:rPr lang="en-US" dirty="0" smtClean="0">
+                <a:solidFill>
+                  <a:schemeClr val="bg1">
+                    <a:lumMod val="95000"/>
+                  </a:schemeClr>
+                </a:solidFill>
+                <a:effectLst>
+                  <a:outerShdw blurRad="38100" dist="38100" dir="2700000" algn="tl">
+                    <a:srgbClr val="000000">
+                      <a:alpha val="43137"/>
+                    </a:srgbClr>
+                  </a:outerShdw>
+                </a:effectLst>
+              </a:rPr>
               <a:t>More like Relational supports Hierarchy</a:t>
             </a:r>
           </a:p>
           <a:p>
             <a:r>
-              <a:rPr lang="en-US" dirty="0" smtClean="0"/>
+              <a:rPr lang="en-US" dirty="0" smtClean="0">
+                <a:solidFill>
+                  <a:schemeClr val="bg1">
+                    <a:lumMod val="95000"/>
+                  </a:schemeClr>
+                </a:solidFill>
+                <a:effectLst>
+                  <a:outerShdw blurRad="38100" dist="38100" dir="2700000" algn="tl">
+                    <a:srgbClr val="000000">
+                      <a:alpha val="43137"/>
+                    </a:srgbClr>
+                  </a:outerShdw>
+                </a:effectLst>
+              </a:rPr>
               <a:t>No Streamlining</a:t>
             </a:r>
           </a:p>
           <a:p>
-            <a:endParaRPr lang="en-US" dirty="0"/>
+            <a:endParaRPr lang="en-US" dirty="0">
+              <a:solidFill>
+                <a:schemeClr val="bg1">
+                  <a:lumMod val="95000"/>
+                </a:schemeClr>
+              </a:solidFill>
+              <a:effectLst>
+                <a:outerShdw blurRad="38100" dist="38100" dir="2700000" algn="tl">
+                  <a:srgbClr val="000000">
+                    <a:alpha val="43137"/>
+                  </a:srgbClr>
+                </a:outerShdw>
+              </a:effectLst>
+            </a:endParaRPr>
           </a:p>
         </p:txBody>
       </p:sp>
@@ -5882,6 +8538,36 @@
           <a:chExt cx="0" cy="0"/>
         </a:xfrm>
       </p:grpSpPr>
+      <p:pic>
+        <p:nvPicPr>
+          <p:cNvPr id="4" name="Picture 3"/>
+          <p:cNvPicPr preferRelativeResize="0">
+            <a:picLocks/>
+          </p:cNvPicPr>
+          <p:nvPr/>
+        </p:nvPicPr>
+        <p:blipFill>
+          <a:blip r:embed="rId2">
+            <a:extLst>
+              <a:ext uri="{28A0092B-C50C-407E-A947-70E740481C1C}">
+                <a14:useLocalDpi xmlns:a14="http://schemas.microsoft.com/office/drawing/2010/main" val="0"/>
+              </a:ext>
+            </a:extLst>
+          </a:blip>
+          <a:stretch>
+            <a:fillRect/>
+          </a:stretch>
+        </p:blipFill>
+        <p:spPr>
+          <a:xfrm>
+            <a:off x="0" y="0"/>
+            <a:ext cx="12192000" cy="6858000"/>
+          </a:xfrm>
+          <a:prstGeom prst="rect">
+            <a:avLst/>
+          </a:prstGeom>
+        </p:spPr>
+      </p:pic>
       <p:sp>
         <p:nvSpPr>
           <p:cNvPr id="2" name="Title 1"/>
@@ -5898,10 +8584,36 @@
           <a:lstStyle/>
           <a:p>
             <a:r>
-              <a:rPr lang="en-US" dirty="0" smtClean="0"/>
+              <a:rPr lang="en-US" dirty="0" smtClean="0">
+                <a:solidFill>
+                  <a:schemeClr val="bg1">
+                    <a:lumMod val="95000"/>
+                  </a:schemeClr>
+                </a:solidFill>
+                <a:effectLst>
+                  <a:outerShdw blurRad="38100" dist="38100" dir="2700000" algn="tl">
+                    <a:srgbClr val="000000">
+                      <a:alpha val="43137"/>
+                    </a:srgbClr>
+                  </a:outerShdw>
+                </a:effectLst>
+              </a:rPr>
               <a:t>Big Data can’t stay in a “Flat” file</a:t>
             </a:r>
-            <a:endParaRPr lang="en-US" dirty="0"/>
+            <a:endParaRPr lang="en-US" dirty="0">
+              <a:solidFill>
+                <a:schemeClr val="bg1">
+                  <a:lumMod val="95000"/>
+                </a:schemeClr>
+              </a:solidFill>
+              <a:effectLst>
+                <a:outerShdw blurRad="38100" dist="38100" dir="2700000" algn="tl">
+                  <a:srgbClr val="000000">
+                    <a:alpha val="43137"/>
+                  </a:srgbClr>
+                </a:outerShdw>
+              </a:effectLst>
+            </a:endParaRPr>
           </a:p>
         </p:txBody>
       </p:sp>
@@ -5921,45 +8633,149 @@
           <a:lstStyle/>
           <a:p>
             <a:r>
-              <a:rPr lang="en-US" dirty="0" smtClean="0"/>
+              <a:rPr lang="en-US" dirty="0" smtClean="0">
+                <a:solidFill>
+                  <a:schemeClr val="bg1">
+                    <a:lumMod val="95000"/>
+                  </a:schemeClr>
+                </a:solidFill>
+                <a:effectLst>
+                  <a:outerShdw blurRad="38100" dist="38100" dir="2700000" algn="tl">
+                    <a:srgbClr val="000000">
+                      <a:alpha val="43137"/>
+                    </a:srgbClr>
+                  </a:outerShdw>
+                </a:effectLst>
+              </a:rPr>
               <a:t>Keep your data clean</a:t>
             </a:r>
-            <a:endParaRPr lang="en-US" dirty="0"/>
-          </a:p>
-          <a:p>
-            <a:r>
-              <a:rPr lang="en-US" dirty="0" smtClean="0"/>
+            <a:endParaRPr lang="en-US" dirty="0">
+              <a:solidFill>
+                <a:schemeClr val="bg1">
+                  <a:lumMod val="95000"/>
+                </a:schemeClr>
+              </a:solidFill>
+              <a:effectLst>
+                <a:outerShdw blurRad="38100" dist="38100" dir="2700000" algn="tl">
+                  <a:srgbClr val="000000">
+                    <a:alpha val="43137"/>
+                  </a:srgbClr>
+                </a:outerShdw>
+              </a:effectLst>
+            </a:endParaRPr>
+          </a:p>
+          <a:p>
+            <a:r>
+              <a:rPr lang="en-US" dirty="0" smtClean="0">
+                <a:solidFill>
+                  <a:schemeClr val="bg1">
+                    <a:lumMod val="95000"/>
+                  </a:schemeClr>
+                </a:solidFill>
+                <a:effectLst>
+                  <a:outerShdw blurRad="38100" dist="38100" dir="2700000" algn="tl">
+                    <a:srgbClr val="000000">
+                      <a:alpha val="43137"/>
+                    </a:srgbClr>
+                  </a:outerShdw>
+                </a:effectLst>
+              </a:rPr>
               <a:t>If you want to avoid data duplication</a:t>
             </a:r>
           </a:p>
           <a:p>
             <a:pPr lvl="1"/>
             <a:r>
-              <a:rPr lang="en-US" dirty="0" smtClean="0"/>
+              <a:rPr lang="en-US" dirty="0" smtClean="0">
+                <a:solidFill>
+                  <a:schemeClr val="bg1">
+                    <a:lumMod val="95000"/>
+                  </a:schemeClr>
+                </a:solidFill>
+                <a:effectLst>
+                  <a:outerShdw blurRad="38100" dist="38100" dir="2700000" algn="tl">
+                    <a:srgbClr val="000000">
+                      <a:alpha val="43137"/>
+                    </a:srgbClr>
+                  </a:outerShdw>
+                </a:effectLst>
+              </a:rPr>
               <a:t>Or you want Transactions</a:t>
             </a:r>
           </a:p>
           <a:p>
             <a:pPr lvl="1"/>
             <a:r>
-              <a:rPr lang="en-US" dirty="0" smtClean="0"/>
+              <a:rPr lang="en-US" dirty="0" smtClean="0">
+                <a:solidFill>
+                  <a:schemeClr val="bg1">
+                    <a:lumMod val="95000"/>
+                  </a:schemeClr>
+                </a:solidFill>
+                <a:effectLst>
+                  <a:outerShdw blurRad="38100" dist="38100" dir="2700000" algn="tl">
+                    <a:srgbClr val="000000">
+                      <a:alpha val="43137"/>
+                    </a:srgbClr>
+                  </a:outerShdw>
+                </a:effectLst>
+              </a:rPr>
               <a:t>Or you want speed</a:t>
             </a:r>
           </a:p>
           <a:p>
             <a:pPr lvl="1"/>
             <a:r>
-              <a:rPr lang="en-US" dirty="0" smtClean="0"/>
+              <a:rPr lang="en-US" dirty="0" smtClean="0">
+                <a:solidFill>
+                  <a:schemeClr val="bg1">
+                    <a:lumMod val="95000"/>
+                  </a:schemeClr>
+                </a:solidFill>
+                <a:effectLst>
+                  <a:outerShdw blurRad="38100" dist="38100" dir="2700000" algn="tl">
+                    <a:srgbClr val="000000">
+                      <a:alpha val="43137"/>
+                    </a:srgbClr>
+                  </a:outerShdw>
+                </a:effectLst>
+              </a:rPr>
               <a:t>Or more than 65,000 rows</a:t>
             </a:r>
           </a:p>
           <a:p>
             <a:pPr lvl="1"/>
             <a:r>
-              <a:rPr lang="en-US" dirty="0" smtClean="0"/>
+              <a:rPr lang="en-US" dirty="0" smtClean="0">
+                <a:solidFill>
+                  <a:schemeClr val="bg1">
+                    <a:lumMod val="95000"/>
+                  </a:schemeClr>
+                </a:solidFill>
+                <a:effectLst>
+                  <a:outerShdw blurRad="38100" dist="38100" dir="2700000" algn="tl">
+                    <a:srgbClr val="000000">
+                      <a:alpha val="43137"/>
+                    </a:srgbClr>
+                  </a:outerShdw>
+                </a:effectLst>
+              </a:rPr>
               <a:t>Or…</a:t>
             </a:r>
-            <a:endParaRPr lang="en-US" dirty="0"/>
+            <a:endParaRPr lang="en-US" dirty="0">
+              <a:solidFill>
+                <a:schemeClr val="bg1">
+                  <a:lumMod val="95000"/>
+                </a:schemeClr>
+              </a:solidFill>
+              <a:effectLst>
+                <a:outerShdw blurRad="38100" dist="38100" dir="2700000" algn="tl">
+                  <a:srgbClr val="000000">
+                    <a:alpha val="43137"/>
+                  </a:srgbClr>
+                </a:outerShdw>
+              </a:effectLst>
+            </a:endParaRPr>
           </a:p>
         </p:txBody>
       </p:sp>
@@ -6000,6 +8816,36 @@
           <a:chExt cx="0" cy="0"/>
         </a:xfrm>
       </p:grpSpPr>
+      <p:pic>
+        <p:nvPicPr>
+          <p:cNvPr id="4" name="Picture 3"/>
+          <p:cNvPicPr preferRelativeResize="0">
+            <a:picLocks/>
+          </p:cNvPicPr>
+          <p:nvPr/>
+        </p:nvPicPr>
+        <p:blipFill>
+          <a:blip r:embed="rId2">
+            <a:extLst>
+              <a:ext uri="{28A0092B-C50C-407E-A947-70E740481C1C}">
+                <a14:useLocalDpi xmlns:a14="http://schemas.microsoft.com/office/drawing/2010/main" val="0"/>
+              </a:ext>
+            </a:extLst>
+          </a:blip>
+          <a:stretch>
+            <a:fillRect/>
+          </a:stretch>
+        </p:blipFill>
+        <p:spPr>
+          <a:xfrm>
+            <a:off x="0" y="0"/>
+            <a:ext cx="12192000" cy="6858000"/>
+          </a:xfrm>
+          <a:prstGeom prst="rect">
+            <a:avLst/>
+          </a:prstGeom>
+        </p:spPr>
+      </p:pic>
       <p:sp>
         <p:nvSpPr>
           <p:cNvPr id="2" name="Title 1"/>
@@ -6016,10 +8862,36 @@
           <a:lstStyle/>
           <a:p>
             <a:r>
-              <a:rPr lang="en-US" dirty="0" smtClean="0"/>
+              <a:rPr lang="en-US" dirty="0" smtClean="0">
+                <a:solidFill>
+                  <a:schemeClr val="bg1">
+                    <a:lumMod val="95000"/>
+                  </a:schemeClr>
+                </a:solidFill>
+                <a:effectLst>
+                  <a:outerShdw blurRad="38100" dist="38100" dir="2700000" algn="tl">
+                    <a:srgbClr val="000000">
+                      <a:alpha val="43137"/>
+                    </a:srgbClr>
+                  </a:outerShdw>
+                </a:effectLst>
+              </a:rPr>
               <a:t>Some Relational Fundamentals</a:t>
             </a:r>
-            <a:endParaRPr lang="en-US" dirty="0"/>
+            <a:endParaRPr lang="en-US" dirty="0">
+              <a:solidFill>
+                <a:schemeClr val="bg1">
+                  <a:lumMod val="95000"/>
+                </a:schemeClr>
+              </a:solidFill>
+              <a:effectLst>
+                <a:outerShdw blurRad="38100" dist="38100" dir="2700000" algn="tl">
+                  <a:srgbClr val="000000">
+                    <a:alpha val="43137"/>
+                  </a:srgbClr>
+                </a:outerShdw>
+              </a:effectLst>
+            </a:endParaRPr>
           </a:p>
         </p:txBody>
       </p:sp>
@@ -6044,73 +8916,211 @@
           <a:lstStyle/>
           <a:p>
             <a:r>
-              <a:rPr lang="en-US" dirty="0" smtClean="0"/>
+              <a:rPr lang="en-US" dirty="0" smtClean="0">
+                <a:solidFill>
+                  <a:schemeClr val="bg1">
+                    <a:lumMod val="85000"/>
+                  </a:schemeClr>
+                </a:solidFill>
+                <a:effectLst>
+                  <a:outerShdw blurRad="38100" dist="38100" dir="2700000" algn="tl">
+                    <a:srgbClr val="000000">
+                      <a:alpha val="43137"/>
+                    </a:srgbClr>
+                  </a:outerShdw>
+                </a:effectLst>
+              </a:rPr>
               <a:t>Relational Databases are Primarily Composed of Tables</a:t>
             </a:r>
           </a:p>
           <a:p>
             <a:pPr lvl="1"/>
             <a:r>
-              <a:rPr lang="en-US" dirty="0" smtClean="0"/>
+              <a:rPr lang="en-US" dirty="0" smtClean="0">
+                <a:solidFill>
+                  <a:schemeClr val="bg1">
+                    <a:lumMod val="85000"/>
+                  </a:schemeClr>
+                </a:solidFill>
+                <a:effectLst>
+                  <a:outerShdw blurRad="38100" dist="38100" dir="2700000" algn="tl">
+                    <a:srgbClr val="000000">
+                      <a:alpha val="43137"/>
+                    </a:srgbClr>
+                  </a:outerShdw>
+                </a:effectLst>
+              </a:rPr>
               <a:t>Plus Relationships</a:t>
             </a:r>
           </a:p>
           <a:p>
             <a:pPr lvl="1"/>
             <a:r>
-              <a:rPr lang="en-US" dirty="0" smtClean="0"/>
+              <a:rPr lang="en-US" dirty="0" smtClean="0">
+                <a:solidFill>
+                  <a:schemeClr val="bg1">
+                    <a:lumMod val="85000"/>
+                  </a:schemeClr>
+                </a:solidFill>
+                <a:effectLst>
+                  <a:outerShdw blurRad="38100" dist="38100" dir="2700000" algn="tl">
+                    <a:srgbClr val="000000">
+                      <a:alpha val="43137"/>
+                    </a:srgbClr>
+                  </a:outerShdw>
+                </a:effectLst>
+              </a:rPr>
               <a:t>And Indexes</a:t>
             </a:r>
           </a:p>
           <a:p>
             <a:r>
-              <a:rPr lang="en-US" dirty="0" smtClean="0"/>
+              <a:rPr lang="en-US" dirty="0" smtClean="0">
+                <a:solidFill>
+                  <a:schemeClr val="bg1">
+                    <a:lumMod val="85000"/>
+                  </a:schemeClr>
+                </a:solidFill>
+                <a:effectLst>
+                  <a:outerShdw blurRad="38100" dist="38100" dir="2700000" algn="tl">
+                    <a:srgbClr val="000000">
+                      <a:alpha val="43137"/>
+                    </a:srgbClr>
+                  </a:outerShdw>
+                </a:effectLst>
+              </a:rPr>
               <a:t>Tables have Columns </a:t>
             </a:r>
           </a:p>
           <a:p>
             <a:pPr lvl="1"/>
             <a:r>
-              <a:rPr lang="en-US" dirty="0" smtClean="0"/>
+              <a:rPr lang="en-US" dirty="0" smtClean="0">
+                <a:solidFill>
+                  <a:schemeClr val="bg1">
+                    <a:lumMod val="85000"/>
+                  </a:schemeClr>
+                </a:solidFill>
+                <a:effectLst>
+                  <a:outerShdw blurRad="38100" dist="38100" dir="2700000" algn="tl">
+                    <a:srgbClr val="000000">
+                      <a:alpha val="43137"/>
+                    </a:srgbClr>
+                  </a:outerShdw>
+                </a:effectLst>
+              </a:rPr>
               <a:t>A Column has a Name, Type &amp; a Size</a:t>
             </a:r>
           </a:p>
           <a:p>
             <a:r>
-              <a:rPr lang="en-US" dirty="0" smtClean="0"/>
-              <a:t>Tables </a:t>
-            </a:r>
-            <a:r>
-              <a:rPr lang="en-US" smtClean="0"/>
-              <a:t>have Rows</a:t>
-            </a:r>
-            <a:endParaRPr lang="en-US" dirty="0" smtClean="0"/>
-          </a:p>
-          <a:p>
-            <a:r>
-              <a:rPr lang="en-US" dirty="0" smtClean="0"/>
+              <a:rPr lang="en-US" dirty="0" smtClean="0">
+                <a:solidFill>
+                  <a:schemeClr val="bg1">
+                    <a:lumMod val="85000"/>
+                  </a:schemeClr>
+                </a:solidFill>
+                <a:effectLst>
+                  <a:outerShdw blurRad="38100" dist="38100" dir="2700000" algn="tl">
+                    <a:srgbClr val="000000">
+                      <a:alpha val="43137"/>
+                    </a:srgbClr>
+                  </a:outerShdw>
+                </a:effectLst>
+              </a:rPr>
+              <a:t>Tables have Rows</a:t>
+            </a:r>
+          </a:p>
+          <a:p>
+            <a:r>
+              <a:rPr lang="en-US" dirty="0" smtClean="0">
+                <a:solidFill>
+                  <a:schemeClr val="bg1">
+                    <a:lumMod val="85000"/>
+                  </a:schemeClr>
+                </a:solidFill>
+                <a:effectLst>
+                  <a:outerShdw blurRad="38100" dist="38100" dir="2700000" algn="tl">
+                    <a:srgbClr val="000000">
+                      <a:alpha val="43137"/>
+                    </a:srgbClr>
+                  </a:outerShdw>
+                </a:effectLst>
+              </a:rPr>
               <a:t>Tables may have Keys</a:t>
             </a:r>
           </a:p>
           <a:p>
             <a:pPr lvl="1"/>
             <a:r>
-              <a:rPr lang="en-US" dirty="0" smtClean="0"/>
+              <a:rPr lang="en-US" dirty="0" smtClean="0">
+                <a:solidFill>
+                  <a:schemeClr val="bg1">
+                    <a:lumMod val="85000"/>
+                  </a:schemeClr>
+                </a:solidFill>
+                <a:effectLst>
+                  <a:outerShdw blurRad="38100" dist="38100" dir="2700000" algn="tl">
+                    <a:srgbClr val="000000">
+                      <a:alpha val="43137"/>
+                    </a:srgbClr>
+                  </a:outerShdw>
+                </a:effectLst>
+              </a:rPr>
               <a:t>Keys are represented via Columns</a:t>
             </a:r>
           </a:p>
           <a:p>
             <a:r>
-              <a:rPr lang="en-US" dirty="0" smtClean="0"/>
+              <a:rPr lang="en-US" dirty="0" smtClean="0">
+                <a:solidFill>
+                  <a:schemeClr val="bg1">
+                    <a:lumMod val="85000"/>
+                  </a:schemeClr>
+                </a:solidFill>
+                <a:effectLst>
+                  <a:outerShdw blurRad="38100" dist="38100" dir="2700000" algn="tl">
+                    <a:srgbClr val="000000">
+                      <a:alpha val="43137"/>
+                    </a:srgbClr>
+                  </a:outerShdw>
+                </a:effectLst>
+              </a:rPr>
               <a:t> Columns may have Indexes</a:t>
             </a:r>
           </a:p>
           <a:p>
             <a:r>
-              <a:rPr lang="en-US" dirty="0" smtClean="0"/>
+              <a:rPr lang="en-US" dirty="0" smtClean="0">
+                <a:solidFill>
+                  <a:schemeClr val="bg1">
+                    <a:lumMod val="85000"/>
+                  </a:schemeClr>
+                </a:solidFill>
+                <a:effectLst>
+                  <a:outerShdw blurRad="38100" dist="38100" dir="2700000" algn="tl">
+                    <a:srgbClr val="000000">
+                      <a:alpha val="43137"/>
+                    </a:srgbClr>
+                  </a:outerShdw>
+                </a:effectLst>
+              </a:rPr>
               <a:t>Databases may have Relationships between Tables</a:t>
             </a:r>
-            <a:endParaRPr lang="en-US" dirty="0"/>
+            <a:endParaRPr lang="en-US" dirty="0">
+              <a:solidFill>
+                <a:schemeClr val="bg1">
+                  <a:lumMod val="85000"/>
+                </a:schemeClr>
+              </a:solidFill>
+              <a:effectLst>
+                <a:outerShdw blurRad="38100" dist="38100" dir="2700000" algn="tl">
+                  <a:srgbClr val="000000">
+                    <a:alpha val="43137"/>
+                  </a:srgbClr>
+                </a:outerShdw>
+              </a:effectLst>
+            </a:endParaRPr>
           </a:p>
         </p:txBody>
       </p:sp>
@@ -6151,6 +9161,36 @@
           <a:chExt cx="0" cy="0"/>
         </a:xfrm>
       </p:grpSpPr>
+      <p:pic>
+        <p:nvPicPr>
+          <p:cNvPr id="4" name="Picture 3"/>
+          <p:cNvPicPr preferRelativeResize="0">
+            <a:picLocks/>
+          </p:cNvPicPr>
+          <p:nvPr/>
+        </p:nvPicPr>
+        <p:blipFill>
+          <a:blip r:embed="rId2">
+            <a:extLst>
+              <a:ext uri="{28A0092B-C50C-407E-A947-70E740481C1C}">
+                <a14:useLocalDpi xmlns:a14="http://schemas.microsoft.com/office/drawing/2010/main" val="0"/>
+              </a:ext>
+            </a:extLst>
+          </a:blip>
+          <a:stretch>
+            <a:fillRect/>
+          </a:stretch>
+        </p:blipFill>
+        <p:spPr>
+          <a:xfrm>
+            <a:off x="-1" y="0"/>
+            <a:ext cx="12192001" cy="6858000"/>
+          </a:xfrm>
+          <a:prstGeom prst="rect">
+            <a:avLst/>
+          </a:prstGeom>
+        </p:spPr>
+      </p:pic>
       <p:sp>
         <p:nvSpPr>
           <p:cNvPr id="2" name="Title 1"/>
@@ -6167,10 +9207,36 @@
           <a:lstStyle/>
           <a:p>
             <a:r>
-              <a:rPr lang="en-US" dirty="0" smtClean="0"/>
+              <a:rPr lang="en-US" dirty="0" smtClean="0">
+                <a:solidFill>
+                  <a:schemeClr val="bg1">
+                    <a:lumMod val="85000"/>
+                  </a:schemeClr>
+                </a:solidFill>
+                <a:effectLst>
+                  <a:outerShdw blurRad="38100" dist="38100" dir="2700000" algn="tl">
+                    <a:srgbClr val="000000">
+                      <a:alpha val="43137"/>
+                    </a:srgbClr>
+                  </a:outerShdw>
+                </a:effectLst>
+              </a:rPr>
               <a:t>The Keys are the Key</a:t>
             </a:r>
-            <a:endParaRPr lang="en-US" dirty="0"/>
+            <a:endParaRPr lang="en-US" dirty="0">
+              <a:solidFill>
+                <a:schemeClr val="bg1">
+                  <a:lumMod val="85000"/>
+                </a:schemeClr>
+              </a:solidFill>
+              <a:effectLst>
+                <a:outerShdw blurRad="38100" dist="38100" dir="2700000" algn="tl">
+                  <a:srgbClr val="000000">
+                    <a:alpha val="43137"/>
+                  </a:srgbClr>
+                </a:outerShdw>
+              </a:effectLst>
+            </a:endParaRPr>
           </a:p>
         </p:txBody>
       </p:sp>
@@ -6190,28 +9256,93 @@
           <a:lstStyle/>
           <a:p>
             <a:r>
-              <a:rPr lang="en-US" dirty="0" smtClean="0"/>
+              <a:rPr lang="en-US" dirty="0" smtClean="0">
+                <a:solidFill>
+                  <a:schemeClr val="bg1">
+                    <a:lumMod val="85000"/>
+                  </a:schemeClr>
+                </a:solidFill>
+                <a:effectLst>
+                  <a:outerShdw blurRad="38100" dist="38100" dir="2700000" algn="tl">
+                    <a:srgbClr val="000000">
+                      <a:alpha val="43137"/>
+                    </a:srgbClr>
+                  </a:outerShdw>
+                </a:effectLst>
+              </a:rPr>
               <a:t>Primary Key</a:t>
             </a:r>
           </a:p>
           <a:p>
             <a:r>
-              <a:rPr lang="en-US" dirty="0" smtClean="0"/>
+              <a:rPr lang="en-US" dirty="0" smtClean="0">
+                <a:solidFill>
+                  <a:schemeClr val="bg1">
+                    <a:lumMod val="85000"/>
+                  </a:schemeClr>
+                </a:solidFill>
+                <a:effectLst>
+                  <a:outerShdw blurRad="38100" dist="38100" dir="2700000" algn="tl">
+                    <a:srgbClr val="000000">
+                      <a:alpha val="43137"/>
+                    </a:srgbClr>
+                  </a:outerShdw>
+                </a:effectLst>
+              </a:rPr>
               <a:t>Foreign Key</a:t>
             </a:r>
           </a:p>
           <a:p>
             <a:r>
-              <a:rPr lang="en-US" dirty="0" smtClean="0"/>
+              <a:rPr lang="en-US" dirty="0" smtClean="0">
+                <a:solidFill>
+                  <a:schemeClr val="bg1">
+                    <a:lumMod val="85000"/>
+                  </a:schemeClr>
+                </a:solidFill>
+                <a:effectLst>
+                  <a:outerShdw blurRad="38100" dist="38100" dir="2700000" algn="tl">
+                    <a:srgbClr val="000000">
+                      <a:alpha val="43137"/>
+                    </a:srgbClr>
+                  </a:outerShdw>
+                </a:effectLst>
+              </a:rPr>
               <a:t>Candidate Key</a:t>
             </a:r>
           </a:p>
           <a:p>
             <a:r>
-              <a:rPr lang="en-US" dirty="0" smtClean="0"/>
+              <a:rPr lang="en-US" dirty="0" smtClean="0">
+                <a:solidFill>
+                  <a:schemeClr val="bg1">
+                    <a:lumMod val="85000"/>
+                  </a:schemeClr>
+                </a:solidFill>
+                <a:effectLst>
+                  <a:outerShdw blurRad="38100" dist="38100" dir="2700000" algn="tl">
+                    <a:srgbClr val="000000">
+                      <a:alpha val="43137"/>
+                    </a:srgbClr>
+                  </a:outerShdw>
+                </a:effectLst>
+              </a:rPr>
               <a:t>Surrogate Key</a:t>
             </a:r>
-            <a:endParaRPr lang="en-US" dirty="0"/>
+            <a:endParaRPr lang="en-US" dirty="0">
+              <a:solidFill>
+                <a:schemeClr val="bg1">
+                  <a:lumMod val="85000"/>
+                </a:schemeClr>
+              </a:solidFill>
+              <a:effectLst>
+                <a:outerShdw blurRad="38100" dist="38100" dir="2700000" algn="tl">
+                  <a:srgbClr val="000000">
+                    <a:alpha val="43137"/>
+                  </a:srgbClr>
+                </a:outerShdw>
+              </a:effectLst>
+            </a:endParaRPr>
           </a:p>
         </p:txBody>
       </p:sp>
@@ -6225,13 +9356,20 @@
   <p:clrMapOvr>
     <a:masterClrMapping/>
   </p:clrMapOvr>
+  <p:timing>
+    <p:tnLst>
+      <p:par>
+        <p:cTn id="1" dur="indefinite" restart="never" nodeType="tmRoot"/>
+      </p:par>
+    </p:tnLst>
+  </p:timing>
 </p:sld>
 </file>
 
 <file path=ppt/theme/theme1.xml><?xml version="1.0" encoding="utf-8"?>
 <a:theme xmlns:a="http://schemas.openxmlformats.org/drawingml/2006/main" name="Office Theme">
   <a:themeElements>
-    <a:clrScheme name="Marquee">
+    <a:clrScheme name="Custom 1">
       <a:dk1>
         <a:srgbClr val="000000"/>
       </a:dk1>
